--- a/elmélet/fuggvenyek.pptx
+++ b/elmélet/fuggvenyek.pptx
@@ -4041,13 +4041,8 @@
           <a:p>
             <a:r>
               <a:rPr lang="hu-HU" dirty="0"/>
-              <a:t>Mi az </a:t>
-            </a:r>
-            <a:r>
-              <a:rPr lang="hu-HU"/>
-              <a:t>a függvény?</a:t>
-            </a:r>
-            <a:endParaRPr lang="hu-HU" dirty="0"/>
+              <a:t>Mi az a függvény?</a:t>
+            </a:r>
           </a:p>
         </p:txBody>
       </p:sp>
@@ -4072,6 +4067,32 @@
           <a:bodyPr/>
           <a:lstStyle/>
           <a:p>
+            <a:r>
+              <a:rPr lang="hu-HU" dirty="0"/>
+              <a:t>Önállóan futó blokkok</a:t>
+            </a:r>
+          </a:p>
+          <a:p>
+            <a:r>
+              <a:rPr lang="hu-HU" dirty="0"/>
+              <a:t>Kód szegmentálása</a:t>
+            </a:r>
+          </a:p>
+          <a:p>
+            <a:r>
+              <a:rPr lang="hu-HU" dirty="0"/>
+              <a:t>Csak akkor fut, ha hívom</a:t>
+            </a:r>
+          </a:p>
+          <a:p>
+            <a:r>
+              <a:rPr lang="hu-HU" dirty="0"/>
+              <a:t>Ha többször hívom, </a:t>
+            </a:r>
+            <a:r>
+              <a:rPr lang="hu-HU"/>
+              <a:t>többször fut</a:t>
+            </a:r>
             <a:endParaRPr lang="hu-HU" dirty="0"/>
           </a:p>
         </p:txBody>

--- a/elmélet/fuggvenyek.pptx
+++ b/elmélet/fuggvenyek.pptx
@@ -7,7 +7,9 @@
   <p:sldIdLst>
     <p:sldId id="256" r:id="rId2"/>
     <p:sldId id="257" r:id="rId3"/>
-    <p:sldId id="258" r:id="rId4"/>
+    <p:sldId id="259" r:id="rId4"/>
+    <p:sldId id="260" r:id="rId5"/>
+    <p:sldId id="258" r:id="rId6"/>
   </p:sldIdLst>
   <p:sldSz cx="12192000" cy="6858000"/>
   <p:notesSz cx="6858000" cy="9144000"/>
@@ -288,7 +290,7 @@
             <a:fld id="{87DE6118-2437-4B30-8E3C-4D2BE6020583}" type="datetimeFigureOut">
               <a:rPr lang="en-US" smtClean="0"/>
               <a:pPr/>
-              <a:t>8/10/2023</a:t>
+              <a:t>8/19/23</a:t>
             </a:fld>
             <a:endParaRPr lang="en-US" dirty="0"/>
           </a:p>
@@ -619,7 +621,7 @@
           <a:p>
             <a:fld id="{87DE6118-2437-4B30-8E3C-4D2BE6020583}" type="datetimeFigureOut">
               <a:rPr lang="en-US" smtClean="0"/>
-              <a:t>8/10/2023</a:t>
+              <a:t>8/19/23</a:t>
             </a:fld>
             <a:endParaRPr lang="en-US" dirty="0"/>
           </a:p>
@@ -799,7 +801,7 @@
           <a:p>
             <a:fld id="{87DE6118-2437-4B30-8E3C-4D2BE6020583}" type="datetimeFigureOut">
               <a:rPr lang="en-US" smtClean="0"/>
-              <a:t>8/10/2023</a:t>
+              <a:t>8/19/23</a:t>
             </a:fld>
             <a:endParaRPr lang="en-US" dirty="0"/>
           </a:p>
@@ -969,7 +971,7 @@
           <a:p>
             <a:fld id="{87DE6118-2437-4B30-8E3C-4D2BE6020583}" type="datetimeFigureOut">
               <a:rPr lang="en-US" smtClean="0"/>
-              <a:t>8/10/2023</a:t>
+              <a:t>8/19/23</a:t>
             </a:fld>
             <a:endParaRPr lang="en-US" dirty="0"/>
           </a:p>
@@ -1247,7 +1249,7 @@
             <a:fld id="{87DE6118-2437-4B30-8E3C-4D2BE6020583}" type="datetimeFigureOut">
               <a:rPr lang="en-US" smtClean="0"/>
               <a:pPr/>
-              <a:t>8/10/2023</a:t>
+              <a:t>8/19/23</a:t>
             </a:fld>
             <a:endParaRPr lang="en-US" dirty="0"/>
           </a:p>
@@ -1642,7 +1644,7 @@
           <a:p>
             <a:fld id="{87DE6118-2437-4B30-8E3C-4D2BE6020583}" type="datetimeFigureOut">
               <a:rPr lang="en-US" smtClean="0"/>
-              <a:t>8/10/2023</a:t>
+              <a:t>8/19/23</a:t>
             </a:fld>
             <a:endParaRPr lang="en-US" dirty="0"/>
           </a:p>
@@ -2119,7 +2121,7 @@
           <a:p>
             <a:fld id="{87DE6118-2437-4B30-8E3C-4D2BE6020583}" type="datetimeFigureOut">
               <a:rPr lang="en-US" smtClean="0"/>
-              <a:t>8/10/2023</a:t>
+              <a:t>8/19/23</a:t>
             </a:fld>
             <a:endParaRPr lang="en-US" dirty="0"/>
           </a:p>
@@ -2237,7 +2239,7 @@
           <a:p>
             <a:fld id="{87DE6118-2437-4B30-8E3C-4D2BE6020583}" type="datetimeFigureOut">
               <a:rPr lang="en-US" smtClean="0"/>
-              <a:t>8/10/2023</a:t>
+              <a:t>8/19/23</a:t>
             </a:fld>
             <a:endParaRPr lang="en-US" dirty="0"/>
           </a:p>
@@ -2332,7 +2334,7 @@
           <a:p>
             <a:fld id="{87DE6118-2437-4B30-8E3C-4D2BE6020583}" type="datetimeFigureOut">
               <a:rPr lang="en-US" smtClean="0"/>
-              <a:t>8/10/2023</a:t>
+              <a:t>8/19/23</a:t>
             </a:fld>
             <a:endParaRPr lang="en-US" dirty="0"/>
           </a:p>
@@ -2679,7 +2681,7 @@
             <a:fld id="{87DE6118-2437-4B30-8E3C-4D2BE6020583}" type="datetimeFigureOut">
               <a:rPr lang="en-US" smtClean="0"/>
               <a:pPr/>
-              <a:t>8/10/2023</a:t>
+              <a:t>8/19/23</a:t>
             </a:fld>
             <a:endParaRPr lang="en-US" dirty="0"/>
           </a:p>
@@ -3069,7 +3071,7 @@
             <a:fld id="{87DE6118-2437-4B30-8E3C-4D2BE6020583}" type="datetimeFigureOut">
               <a:rPr lang="en-US" smtClean="0"/>
               <a:pPr/>
-              <a:t>8/10/2023</a:t>
+              <a:t>8/19/23</a:t>
             </a:fld>
             <a:endParaRPr lang="en-US" dirty="0"/>
           </a:p>
@@ -3349,7 +3351,7 @@
             <a:fld id="{87DE6118-2437-4B30-8E3C-4D2BE6020583}" type="datetimeFigureOut">
               <a:rPr lang="en-US" smtClean="0"/>
               <a:pPr/>
-              <a:t>8/10/2023</a:t>
+              <a:t>8/19/23</a:t>
             </a:fld>
             <a:endParaRPr lang="en-US" dirty="0"/>
           </a:p>
@@ -4087,13 +4089,8 @@
           <a:p>
             <a:r>
               <a:rPr lang="hu-HU" dirty="0"/>
-              <a:t>Ha többször hívom, </a:t>
-            </a:r>
-            <a:r>
-              <a:rPr lang="hu-HU"/>
-              <a:t>többször fut</a:t>
-            </a:r>
-            <a:endParaRPr lang="hu-HU" dirty="0"/>
+              <a:t>Ha többször hívom, többször fut</a:t>
+            </a:r>
           </a:p>
         </p:txBody>
       </p:sp>
@@ -4162,6 +4159,53 @@
           </a:extLst>
         </p:spPr>
       </p:pic>
+      <p:pic>
+        <p:nvPicPr>
+          <p:cNvPr id="1026" name="Picture 2" descr="functions | Programmer humor, Tech humor, Computer humor">
+            <a:extLst>
+              <a:ext uri="{FF2B5EF4-FFF2-40B4-BE49-F238E27FC236}">
+                <a16:creationId xmlns:a16="http://schemas.microsoft.com/office/drawing/2014/main" id="{04930D27-3575-81AC-8399-0D9C24DBA839}"/>
+              </a:ext>
+            </a:extLst>
+          </p:cNvPr>
+          <p:cNvPicPr>
+            <a:picLocks noChangeAspect="1" noChangeArrowheads="1"/>
+          </p:cNvPicPr>
+          <p:nvPr/>
+        </p:nvPicPr>
+        <p:blipFill>
+          <a:blip r:embed="rId4">
+            <a:extLst>
+              <a:ext uri="{28A0092B-C50C-407E-A947-70E740481C1C}">
+                <a14:useLocalDpi xmlns:a14="http://schemas.microsoft.com/office/drawing/2010/main" val="0"/>
+              </a:ext>
+            </a:extLst>
+          </a:blip>
+          <a:srcRect/>
+          <a:stretch>
+            <a:fillRect/>
+          </a:stretch>
+        </p:blipFill>
+        <p:spPr bwMode="auto">
+          <a:xfrm>
+            <a:off x="6825343" y="1230085"/>
+            <a:ext cx="4822623" cy="4822623"/>
+          </a:xfrm>
+          <a:prstGeom prst="rect">
+            <a:avLst/>
+          </a:prstGeom>
+          <a:noFill/>
+          <a:extLst>
+            <a:ext uri="{909E8E84-426E-40DD-AFC4-6F175D3DCCD1}">
+              <a14:hiddenFill xmlns:a14="http://schemas.microsoft.com/office/drawing/2010/main">
+                <a:solidFill>
+                  <a:srgbClr val="FFFFFF"/>
+                </a:solidFill>
+              </a14:hiddenFill>
+            </a:ext>
+          </a:extLst>
+        </p:spPr>
+      </p:pic>
     </p:spTree>
     <p:extLst>
       <p:ext uri="{BB962C8B-B14F-4D97-AF65-F5344CB8AC3E}">
@@ -4194,6 +4238,34 @@
       </p:grpSpPr>
       <p:sp>
         <p:nvSpPr>
+          <p:cNvPr id="2" name="Cím 1">
+            <a:extLst>
+              <a:ext uri="{FF2B5EF4-FFF2-40B4-BE49-F238E27FC236}">
+                <a16:creationId xmlns:a16="http://schemas.microsoft.com/office/drawing/2014/main" id="{DD7345C3-DCE0-912F-F644-9F731867B47D}"/>
+              </a:ext>
+            </a:extLst>
+          </p:cNvPr>
+          <p:cNvSpPr>
+            <a:spLocks noGrp="1"/>
+          </p:cNvSpPr>
+          <p:nvPr>
+            <p:ph type="title"/>
+          </p:nvPr>
+        </p:nvSpPr>
+        <p:spPr/>
+        <p:txBody>
+          <a:bodyPr/>
+          <a:lstStyle/>
+          <a:p>
+            <a:r>
+              <a:rPr lang="hu-HU" dirty="0"/>
+              <a:t>Hogy írok függvényt?</a:t>
+            </a:r>
+          </a:p>
+        </p:txBody>
+      </p:sp>
+      <p:sp>
+        <p:nvSpPr>
           <p:cNvPr id="3" name="Tartalom helye 2">
             <a:extLst>
               <a:ext uri="{FF2B5EF4-FFF2-40B4-BE49-F238E27FC236}">
@@ -4213,6 +4285,9 @@
           <a:bodyPr/>
           <a:lstStyle/>
           <a:p>
+            <a:pPr marL="0" indent="0">
+              <a:buNone/>
+            </a:pPr>
             <a:endParaRPr lang="hu-HU" dirty="0"/>
           </a:p>
         </p:txBody>
@@ -4282,6 +4357,184 @@
           </a:extLst>
         </p:spPr>
       </p:pic>
+    </p:spTree>
+    <p:extLst>
+      <p:ext uri="{BB962C8B-B14F-4D97-AF65-F5344CB8AC3E}">
+        <p14:creationId xmlns:p14="http://schemas.microsoft.com/office/powerpoint/2010/main" val="1968717417"/>
+      </p:ext>
+    </p:extLst>
+  </p:cSld>
+  <p:clrMapOvr>
+    <a:masterClrMapping/>
+  </p:clrMapOvr>
+</p:sld>
+</file>
+
+<file path=ppt/slides/slide4.xml><?xml version="1.0" encoding="utf-8"?>
+<p:sld xmlns:a="http://schemas.openxmlformats.org/drawingml/2006/main" xmlns:r="http://schemas.openxmlformats.org/officeDocument/2006/relationships" xmlns:p="http://schemas.openxmlformats.org/presentationml/2006/main">
+  <p:cSld>
+    <p:spTree>
+      <p:nvGrpSpPr>
+        <p:cNvPr id="1" name=""/>
+        <p:cNvGrpSpPr/>
+        <p:nvPr/>
+      </p:nvGrpSpPr>
+      <p:grpSpPr>
+        <a:xfrm>
+          <a:off x="0" y="0"/>
+          <a:ext cx="0" cy="0"/>
+          <a:chOff x="0" y="0"/>
+          <a:chExt cx="0" cy="0"/>
+        </a:xfrm>
+      </p:grpSpPr>
+      <p:sp>
+        <p:nvSpPr>
+          <p:cNvPr id="2" name="Cím 1">
+            <a:extLst>
+              <a:ext uri="{FF2B5EF4-FFF2-40B4-BE49-F238E27FC236}">
+                <a16:creationId xmlns:a16="http://schemas.microsoft.com/office/drawing/2014/main" id="{DD7345C3-DCE0-912F-F644-9F731867B47D}"/>
+              </a:ext>
+            </a:extLst>
+          </p:cNvPr>
+          <p:cNvSpPr>
+            <a:spLocks noGrp="1"/>
+          </p:cNvSpPr>
+          <p:nvPr>
+            <p:ph type="title"/>
+          </p:nvPr>
+        </p:nvSpPr>
+        <p:spPr/>
+        <p:txBody>
+          <a:bodyPr/>
+          <a:lstStyle/>
+          <a:p>
+            <a:r>
+              <a:rPr lang="hu-HU" dirty="0"/>
+              <a:t>Rekurzió</a:t>
+            </a:r>
+          </a:p>
+        </p:txBody>
+      </p:sp>
+      <p:sp>
+        <p:nvSpPr>
+          <p:cNvPr id="3" name="Tartalom helye 2">
+            <a:extLst>
+              <a:ext uri="{FF2B5EF4-FFF2-40B4-BE49-F238E27FC236}">
+                <a16:creationId xmlns:a16="http://schemas.microsoft.com/office/drawing/2014/main" id="{5BCCB2A8-85F5-1BEA-48ED-A3EC9D9860C1}"/>
+              </a:ext>
+            </a:extLst>
+          </p:cNvPr>
+          <p:cNvSpPr>
+            <a:spLocks noGrp="1"/>
+          </p:cNvSpPr>
+          <p:nvPr>
+            <p:ph idx="1"/>
+          </p:nvPr>
+        </p:nvSpPr>
+        <p:spPr/>
+        <p:txBody>
+          <a:bodyPr/>
+          <a:lstStyle/>
+          <a:p>
+            <a:endParaRPr lang="hu-HU" dirty="0"/>
+          </a:p>
+        </p:txBody>
+      </p:sp>
+      <p:pic>
+        <p:nvPicPr>
+          <p:cNvPr id="4" name="Picture 4" descr="Executive Summary of Python Programming Language">
+            <a:extLst>
+              <a:ext uri="{FF2B5EF4-FFF2-40B4-BE49-F238E27FC236}">
+                <a16:creationId xmlns:a16="http://schemas.microsoft.com/office/drawing/2014/main" id="{9DC14B4B-603B-5E3F-79DD-F1528D6A99DA}"/>
+              </a:ext>
+            </a:extLst>
+          </p:cNvPr>
+          <p:cNvPicPr>
+            <a:picLocks noChangeAspect="1" noChangeArrowheads="1"/>
+          </p:cNvPicPr>
+          <p:nvPr/>
+        </p:nvPicPr>
+        <p:blipFill>
+          <a:blip r:embed="rId2">
+            <a:alphaModFix amt="17000"/>
+            <a:extLst>
+              <a:ext uri="{BEBA8EAE-BF5A-486C-A8C5-ECC9F3942E4B}">
+                <a14:imgProps xmlns:a14="http://schemas.microsoft.com/office/drawing/2010/main">
+                  <a14:imgLayer r:embed="rId3">
+                    <a14:imgEffect>
+                      <a14:colorTemperature colorTemp="6582"/>
+                    </a14:imgEffect>
+                    <a14:imgEffect>
+                      <a14:saturation sat="97000"/>
+                    </a14:imgEffect>
+                  </a14:imgLayer>
+                </a14:imgProps>
+              </a:ext>
+              <a:ext uri="{28A0092B-C50C-407E-A947-70E740481C1C}">
+                <a14:useLocalDpi xmlns:a14="http://schemas.microsoft.com/office/drawing/2010/main" val="0"/>
+              </a:ext>
+            </a:extLst>
+          </a:blip>
+          <a:srcRect/>
+          <a:stretch>
+            <a:fillRect/>
+          </a:stretch>
+        </p:blipFill>
+        <p:spPr bwMode="auto">
+          <a:xfrm>
+            <a:off x="3559377" y="1017688"/>
+            <a:ext cx="4822623" cy="4822623"/>
+          </a:xfrm>
+          <a:prstGeom prst="rect">
+            <a:avLst/>
+          </a:prstGeom>
+          <a:noFill/>
+          <a:effectLst>
+            <a:outerShdw blurRad="220002" dist="50800" dir="5400000" algn="ctr" rotWithShape="0">
+              <a:srgbClr val="000000"/>
+            </a:outerShdw>
+          </a:effectLst>
+          <a:extLst>
+            <a:ext uri="{909E8E84-426E-40DD-AFC4-6F175D3DCCD1}">
+              <a14:hiddenFill xmlns:a14="http://schemas.microsoft.com/office/drawing/2010/main">
+                <a:solidFill>
+                  <a:srgbClr val="FFFFFF"/>
+                </a:solidFill>
+              </a14:hiddenFill>
+            </a:ext>
+          </a:extLst>
+        </p:spPr>
+      </p:pic>
+    </p:spTree>
+    <p:extLst>
+      <p:ext uri="{BB962C8B-B14F-4D97-AF65-F5344CB8AC3E}">
+        <p14:creationId xmlns:p14="http://schemas.microsoft.com/office/powerpoint/2010/main" val="2543673812"/>
+      </p:ext>
+    </p:extLst>
+  </p:cSld>
+  <p:clrMapOvr>
+    <a:masterClrMapping/>
+  </p:clrMapOvr>
+</p:sld>
+</file>
+
+<file path=ppt/slides/slide5.xml><?xml version="1.0" encoding="utf-8"?>
+<p:sld xmlns:a="http://schemas.openxmlformats.org/drawingml/2006/main" xmlns:r="http://schemas.openxmlformats.org/officeDocument/2006/relationships" xmlns:p="http://schemas.openxmlformats.org/presentationml/2006/main">
+  <p:cSld>
+    <p:spTree>
+      <p:nvGrpSpPr>
+        <p:cNvPr id="1" name=""/>
+        <p:cNvGrpSpPr/>
+        <p:nvPr/>
+      </p:nvGrpSpPr>
+      <p:grpSpPr>
+        <a:xfrm>
+          <a:off x="0" y="0"/>
+          <a:ext cx="0" cy="0"/>
+          <a:chOff x="0" y="0"/>
+          <a:chExt cx="0" cy="0"/>
+        </a:xfrm>
+      </p:grpSpPr>
       <p:sp>
         <p:nvSpPr>
           <p:cNvPr id="6" name="Cím 5">
@@ -4307,6 +4560,96 @@
           </a:p>
         </p:txBody>
       </p:sp>
+      <p:sp>
+        <p:nvSpPr>
+          <p:cNvPr id="3" name="Tartalom helye 2">
+            <a:extLst>
+              <a:ext uri="{FF2B5EF4-FFF2-40B4-BE49-F238E27FC236}">
+                <a16:creationId xmlns:a16="http://schemas.microsoft.com/office/drawing/2014/main" id="{5BCCB2A8-85F5-1BEA-48ED-A3EC9D9860C1}"/>
+              </a:ext>
+            </a:extLst>
+          </p:cNvPr>
+          <p:cNvSpPr>
+            <a:spLocks noGrp="1"/>
+          </p:cNvSpPr>
+          <p:nvPr>
+            <p:ph idx="1"/>
+          </p:nvPr>
+        </p:nvSpPr>
+        <p:spPr/>
+        <p:txBody>
+          <a:bodyPr/>
+          <a:lstStyle/>
+          <a:p>
+            <a:endParaRPr lang="hu-HU" dirty="0"/>
+          </a:p>
+        </p:txBody>
+      </p:sp>
+      <p:pic>
+        <p:nvPicPr>
+          <p:cNvPr id="4" name="Picture 4" descr="Executive Summary of Python Programming Language">
+            <a:extLst>
+              <a:ext uri="{FF2B5EF4-FFF2-40B4-BE49-F238E27FC236}">
+                <a16:creationId xmlns:a16="http://schemas.microsoft.com/office/drawing/2014/main" id="{9DC14B4B-603B-5E3F-79DD-F1528D6A99DA}"/>
+              </a:ext>
+            </a:extLst>
+          </p:cNvPr>
+          <p:cNvPicPr>
+            <a:picLocks noChangeAspect="1" noChangeArrowheads="1"/>
+          </p:cNvPicPr>
+          <p:nvPr/>
+        </p:nvPicPr>
+        <p:blipFill>
+          <a:blip r:embed="rId2">
+            <a:alphaModFix amt="17000"/>
+            <a:extLst>
+              <a:ext uri="{BEBA8EAE-BF5A-486C-A8C5-ECC9F3942E4B}">
+                <a14:imgProps xmlns:a14="http://schemas.microsoft.com/office/drawing/2010/main">
+                  <a14:imgLayer r:embed="rId3">
+                    <a14:imgEffect>
+                      <a14:colorTemperature colorTemp="6582"/>
+                    </a14:imgEffect>
+                    <a14:imgEffect>
+                      <a14:saturation sat="97000"/>
+                    </a14:imgEffect>
+                  </a14:imgLayer>
+                </a14:imgProps>
+              </a:ext>
+              <a:ext uri="{28A0092B-C50C-407E-A947-70E740481C1C}">
+                <a14:useLocalDpi xmlns:a14="http://schemas.microsoft.com/office/drawing/2010/main" val="0"/>
+              </a:ext>
+            </a:extLst>
+          </a:blip>
+          <a:srcRect/>
+          <a:stretch>
+            <a:fillRect/>
+          </a:stretch>
+        </p:blipFill>
+        <p:spPr bwMode="auto">
+          <a:xfrm>
+            <a:off x="3559377" y="1017688"/>
+            <a:ext cx="4822623" cy="4822623"/>
+          </a:xfrm>
+          <a:prstGeom prst="rect">
+            <a:avLst/>
+          </a:prstGeom>
+          <a:noFill/>
+          <a:effectLst>
+            <a:outerShdw blurRad="220002" dist="50800" dir="5400000" algn="ctr" rotWithShape="0">
+              <a:srgbClr val="000000"/>
+            </a:outerShdw>
+          </a:effectLst>
+          <a:extLst>
+            <a:ext uri="{909E8E84-426E-40DD-AFC4-6F175D3DCCD1}">
+              <a14:hiddenFill xmlns:a14="http://schemas.microsoft.com/office/drawing/2010/main">
+                <a:solidFill>
+                  <a:srgbClr val="FFFFFF"/>
+                </a:solidFill>
+              </a14:hiddenFill>
+            </a:ext>
+          </a:extLst>
+        </p:spPr>
+      </p:pic>
       <p:sp>
         <p:nvSpPr>
           <p:cNvPr id="7" name="Cím 1">

--- a/elmélet/fuggvenyek.pptx
+++ b/elmélet/fuggvenyek.pptx
@@ -7,9 +7,12 @@
   <p:sldIdLst>
     <p:sldId id="256" r:id="rId2"/>
     <p:sldId id="257" r:id="rId3"/>
-    <p:sldId id="259" r:id="rId4"/>
-    <p:sldId id="260" r:id="rId5"/>
-    <p:sldId id="258" r:id="rId6"/>
+    <p:sldId id="261" r:id="rId4"/>
+    <p:sldId id="259" r:id="rId5"/>
+    <p:sldId id="260" r:id="rId6"/>
+    <p:sldId id="263" r:id="rId7"/>
+    <p:sldId id="262" r:id="rId8"/>
+    <p:sldId id="258" r:id="rId9"/>
   </p:sldIdLst>
   <p:sldSz cx="12192000" cy="6858000"/>
   <p:notesSz cx="6858000" cy="9144000"/>
@@ -290,7 +293,7 @@
             <a:fld id="{87DE6118-2437-4B30-8E3C-4D2BE6020583}" type="datetimeFigureOut">
               <a:rPr lang="en-US" smtClean="0"/>
               <a:pPr/>
-              <a:t>8/19/23</a:t>
+              <a:t>8/20/23</a:t>
             </a:fld>
             <a:endParaRPr lang="en-US" dirty="0"/>
           </a:p>
@@ -621,7 +624,7 @@
           <a:p>
             <a:fld id="{87DE6118-2437-4B30-8E3C-4D2BE6020583}" type="datetimeFigureOut">
               <a:rPr lang="en-US" smtClean="0"/>
-              <a:t>8/19/23</a:t>
+              <a:t>8/20/23</a:t>
             </a:fld>
             <a:endParaRPr lang="en-US" dirty="0"/>
           </a:p>
@@ -801,7 +804,7 @@
           <a:p>
             <a:fld id="{87DE6118-2437-4B30-8E3C-4D2BE6020583}" type="datetimeFigureOut">
               <a:rPr lang="en-US" smtClean="0"/>
-              <a:t>8/19/23</a:t>
+              <a:t>8/20/23</a:t>
             </a:fld>
             <a:endParaRPr lang="en-US" dirty="0"/>
           </a:p>
@@ -971,7 +974,7 @@
           <a:p>
             <a:fld id="{87DE6118-2437-4B30-8E3C-4D2BE6020583}" type="datetimeFigureOut">
               <a:rPr lang="en-US" smtClean="0"/>
-              <a:t>8/19/23</a:t>
+              <a:t>8/20/23</a:t>
             </a:fld>
             <a:endParaRPr lang="en-US" dirty="0"/>
           </a:p>
@@ -1249,7 +1252,7 @@
             <a:fld id="{87DE6118-2437-4B30-8E3C-4D2BE6020583}" type="datetimeFigureOut">
               <a:rPr lang="en-US" smtClean="0"/>
               <a:pPr/>
-              <a:t>8/19/23</a:t>
+              <a:t>8/20/23</a:t>
             </a:fld>
             <a:endParaRPr lang="en-US" dirty="0"/>
           </a:p>
@@ -1644,7 +1647,7 @@
           <a:p>
             <a:fld id="{87DE6118-2437-4B30-8E3C-4D2BE6020583}" type="datetimeFigureOut">
               <a:rPr lang="en-US" smtClean="0"/>
-              <a:t>8/19/23</a:t>
+              <a:t>8/20/23</a:t>
             </a:fld>
             <a:endParaRPr lang="en-US" dirty="0"/>
           </a:p>
@@ -2121,7 +2124,7 @@
           <a:p>
             <a:fld id="{87DE6118-2437-4B30-8E3C-4D2BE6020583}" type="datetimeFigureOut">
               <a:rPr lang="en-US" smtClean="0"/>
-              <a:t>8/19/23</a:t>
+              <a:t>8/20/23</a:t>
             </a:fld>
             <a:endParaRPr lang="en-US" dirty="0"/>
           </a:p>
@@ -2239,7 +2242,7 @@
           <a:p>
             <a:fld id="{87DE6118-2437-4B30-8E3C-4D2BE6020583}" type="datetimeFigureOut">
               <a:rPr lang="en-US" smtClean="0"/>
-              <a:t>8/19/23</a:t>
+              <a:t>8/20/23</a:t>
             </a:fld>
             <a:endParaRPr lang="en-US" dirty="0"/>
           </a:p>
@@ -2334,7 +2337,7 @@
           <a:p>
             <a:fld id="{87DE6118-2437-4B30-8E3C-4D2BE6020583}" type="datetimeFigureOut">
               <a:rPr lang="en-US" smtClean="0"/>
-              <a:t>8/19/23</a:t>
+              <a:t>8/20/23</a:t>
             </a:fld>
             <a:endParaRPr lang="en-US" dirty="0"/>
           </a:p>
@@ -2681,7 +2684,7 @@
             <a:fld id="{87DE6118-2437-4B30-8E3C-4D2BE6020583}" type="datetimeFigureOut">
               <a:rPr lang="en-US" smtClean="0"/>
               <a:pPr/>
-              <a:t>8/19/23</a:t>
+              <a:t>8/20/23</a:t>
             </a:fld>
             <a:endParaRPr lang="en-US" dirty="0"/>
           </a:p>
@@ -3071,7 +3074,7 @@
             <a:fld id="{87DE6118-2437-4B30-8E3C-4D2BE6020583}" type="datetimeFigureOut">
               <a:rPr lang="en-US" smtClean="0"/>
               <a:pPr/>
-              <a:t>8/19/23</a:t>
+              <a:t>8/20/23</a:t>
             </a:fld>
             <a:endParaRPr lang="en-US" dirty="0"/>
           </a:p>
@@ -3351,7 +3354,7 @@
             <a:fld id="{87DE6118-2437-4B30-8E3C-4D2BE6020583}" type="datetimeFigureOut">
               <a:rPr lang="en-US" smtClean="0"/>
               <a:pPr/>
-              <a:t>8/19/23</a:t>
+              <a:t>8/20/23</a:t>
             </a:fld>
             <a:endParaRPr lang="en-US" dirty="0"/>
           </a:p>
@@ -4069,28 +4072,7 @@
           <a:bodyPr/>
           <a:lstStyle/>
           <a:p>
-            <a:r>
-              <a:rPr lang="hu-HU" dirty="0"/>
-              <a:t>Önállóan futó blokkok</a:t>
-            </a:r>
-          </a:p>
-          <a:p>
-            <a:r>
-              <a:rPr lang="hu-HU" dirty="0"/>
-              <a:t>Kód szegmentálása</a:t>
-            </a:r>
-          </a:p>
-          <a:p>
-            <a:r>
-              <a:rPr lang="hu-HU" dirty="0"/>
-              <a:t>Csak akkor fut, ha hívom</a:t>
-            </a:r>
-          </a:p>
-          <a:p>
-            <a:r>
-              <a:rPr lang="hu-HU" dirty="0"/>
-              <a:t>Ha többször hívom, többször fut</a:t>
-            </a:r>
+            <a:endParaRPr lang="hu-HU" dirty="0"/>
           </a:p>
         </p:txBody>
       </p:sp>
@@ -4159,53 +4141,259 @@
           </a:extLst>
         </p:spPr>
       </p:pic>
-      <p:pic>
-        <p:nvPicPr>
-          <p:cNvPr id="1026" name="Picture 2" descr="functions | Programmer humor, Tech humor, Computer humor">
+      <p:sp>
+        <p:nvSpPr>
+          <p:cNvPr id="5" name="Keret 4">
             <a:extLst>
               <a:ext uri="{FF2B5EF4-FFF2-40B4-BE49-F238E27FC236}">
-                <a16:creationId xmlns:a16="http://schemas.microsoft.com/office/drawing/2014/main" id="{04930D27-3575-81AC-8399-0D9C24DBA839}"/>
+                <a16:creationId xmlns:a16="http://schemas.microsoft.com/office/drawing/2014/main" id="{20E96DE1-E6BB-D4F5-07E6-482F99E1AD45}"/>
               </a:ext>
             </a:extLst>
           </p:cNvPr>
-          <p:cNvPicPr>
-            <a:picLocks noChangeAspect="1" noChangeArrowheads="1"/>
-          </p:cNvPicPr>
+          <p:cNvSpPr/>
           <p:nvPr/>
-        </p:nvPicPr>
-        <p:blipFill>
-          <a:blip r:embed="rId4">
+        </p:nvSpPr>
+        <p:spPr>
+          <a:xfrm>
+            <a:off x="4158216" y="2960914"/>
+            <a:ext cx="3624943" cy="2231572"/>
+          </a:xfrm>
+          <a:prstGeom prst="frame">
+            <a:avLst>
+              <a:gd name="adj1" fmla="val 7622"/>
+            </a:avLst>
+          </a:prstGeom>
+        </p:spPr>
+        <p:style>
+          <a:lnRef idx="2">
+            <a:schemeClr val="accent1">
+              <a:shade val="15000"/>
+            </a:schemeClr>
+          </a:lnRef>
+          <a:fillRef idx="1">
+            <a:schemeClr val="accent1"/>
+          </a:fillRef>
+          <a:effectRef idx="0">
+            <a:schemeClr val="accent1"/>
+          </a:effectRef>
+          <a:fontRef idx="minor">
+            <a:schemeClr val="lt1"/>
+          </a:fontRef>
+        </p:style>
+        <p:txBody>
+          <a:bodyPr rtlCol="0" anchor="ctr"/>
+          <a:lstStyle/>
+          <a:p>
+            <a:pPr algn="ctr"/>
+            <a:endParaRPr lang="hu-HU">
+              <a:solidFill>
+                <a:schemeClr val="tx1"/>
+              </a:solidFill>
+            </a:endParaRPr>
+          </a:p>
+        </p:txBody>
+      </p:sp>
+      <p:sp>
+        <p:nvSpPr>
+          <p:cNvPr id="11" name="Jobbra mutató nyíl 10">
             <a:extLst>
-              <a:ext uri="{28A0092B-C50C-407E-A947-70E740481C1C}">
-                <a14:useLocalDpi xmlns:a14="http://schemas.microsoft.com/office/drawing/2010/main" val="0"/>
+              <a:ext uri="{FF2B5EF4-FFF2-40B4-BE49-F238E27FC236}">
+                <a16:creationId xmlns:a16="http://schemas.microsoft.com/office/drawing/2014/main" id="{390D113B-EA80-9BBA-C007-310F0ED79E82}"/>
               </a:ext>
             </a:extLst>
-          </a:blip>
-          <a:srcRect/>
-          <a:stretch>
-            <a:fillRect/>
-          </a:stretch>
-        </p:blipFill>
-        <p:spPr bwMode="auto">
+          </p:cNvPr>
+          <p:cNvSpPr/>
+          <p:nvPr/>
+        </p:nvSpPr>
+        <p:spPr>
           <a:xfrm>
-            <a:off x="6825343" y="1230085"/>
-            <a:ext cx="4822623" cy="4822623"/>
+            <a:off x="2612571" y="3823607"/>
+            <a:ext cx="1404006" cy="506186"/>
+          </a:xfrm>
+          <a:prstGeom prst="rightArrow">
+            <a:avLst/>
+          </a:prstGeom>
+        </p:spPr>
+        <p:style>
+          <a:lnRef idx="2">
+            <a:schemeClr val="accent1">
+              <a:shade val="15000"/>
+            </a:schemeClr>
+          </a:lnRef>
+          <a:fillRef idx="1">
+            <a:schemeClr val="accent1"/>
+          </a:fillRef>
+          <a:effectRef idx="0">
+            <a:schemeClr val="accent1"/>
+          </a:effectRef>
+          <a:fontRef idx="minor">
+            <a:schemeClr val="lt1"/>
+          </a:fontRef>
+        </p:style>
+        <p:txBody>
+          <a:bodyPr rtlCol="0" anchor="ctr"/>
+          <a:lstStyle/>
+          <a:p>
+            <a:pPr algn="ctr"/>
+            <a:endParaRPr lang="hu-HU"/>
+          </a:p>
+        </p:txBody>
+      </p:sp>
+      <p:sp>
+        <p:nvSpPr>
+          <p:cNvPr id="13" name="Jobbra mutató nyíl 12">
+            <a:extLst>
+              <a:ext uri="{FF2B5EF4-FFF2-40B4-BE49-F238E27FC236}">
+                <a16:creationId xmlns:a16="http://schemas.microsoft.com/office/drawing/2014/main" id="{94AF33ED-6AC2-7E37-535B-63D7FDE92F3A}"/>
+              </a:ext>
+            </a:extLst>
+          </p:cNvPr>
+          <p:cNvSpPr/>
+          <p:nvPr/>
+        </p:nvSpPr>
+        <p:spPr>
+          <a:xfrm>
+            <a:off x="7979418" y="3823607"/>
+            <a:ext cx="1404006" cy="506186"/>
+          </a:xfrm>
+          <a:prstGeom prst="rightArrow">
+            <a:avLst/>
+          </a:prstGeom>
+        </p:spPr>
+        <p:style>
+          <a:lnRef idx="2">
+            <a:schemeClr val="accent1">
+              <a:shade val="15000"/>
+            </a:schemeClr>
+          </a:lnRef>
+          <a:fillRef idx="1">
+            <a:schemeClr val="accent1"/>
+          </a:fillRef>
+          <a:effectRef idx="0">
+            <a:schemeClr val="accent1"/>
+          </a:effectRef>
+          <a:fontRef idx="minor">
+            <a:schemeClr val="lt1"/>
+          </a:fontRef>
+        </p:style>
+        <p:txBody>
+          <a:bodyPr rtlCol="0" anchor="ctr"/>
+          <a:lstStyle/>
+          <a:p>
+            <a:pPr algn="ctr"/>
+            <a:endParaRPr lang="hu-HU"/>
+          </a:p>
+        </p:txBody>
+      </p:sp>
+      <p:sp>
+        <p:nvSpPr>
+          <p:cNvPr id="14" name="Szövegdoboz 13">
+            <a:extLst>
+              <a:ext uri="{FF2B5EF4-FFF2-40B4-BE49-F238E27FC236}">
+                <a16:creationId xmlns:a16="http://schemas.microsoft.com/office/drawing/2014/main" id="{B5C1B69F-E9A0-3BD1-01E2-16046C41450B}"/>
+              </a:ext>
+            </a:extLst>
+          </p:cNvPr>
+          <p:cNvSpPr txBox="1"/>
+          <p:nvPr/>
+        </p:nvSpPr>
+        <p:spPr>
+          <a:xfrm>
+            <a:off x="1735895" y="3683462"/>
+            <a:ext cx="1415268" cy="646331"/>
           </a:xfrm>
           <a:prstGeom prst="rect">
             <a:avLst/>
           </a:prstGeom>
           <a:noFill/>
-          <a:extLst>
-            <a:ext uri="{909E8E84-426E-40DD-AFC4-6F175D3DCCD1}">
-              <a14:hiddenFill xmlns:a14="http://schemas.microsoft.com/office/drawing/2010/main">
-                <a:solidFill>
-                  <a:srgbClr val="FFFFFF"/>
-                </a:solidFill>
-              </a14:hiddenFill>
-            </a:ext>
-          </a:extLst>
         </p:spPr>
-      </p:pic>
+        <p:txBody>
+          <a:bodyPr wrap="square" rtlCol="0">
+            <a:spAutoFit/>
+          </a:bodyPr>
+          <a:lstStyle/>
+          <a:p>
+            <a:r>
+              <a:rPr lang="hu-HU" sz="3600" dirty="0"/>
+              <a:t>x</a:t>
+            </a:r>
+          </a:p>
+        </p:txBody>
+      </p:sp>
+      <p:sp>
+        <p:nvSpPr>
+          <p:cNvPr id="15" name="Szövegdoboz 14">
+            <a:extLst>
+              <a:ext uri="{FF2B5EF4-FFF2-40B4-BE49-F238E27FC236}">
+                <a16:creationId xmlns:a16="http://schemas.microsoft.com/office/drawing/2014/main" id="{4BCF6538-8DE1-6C1B-21CF-10DABA91895C}"/>
+              </a:ext>
+            </a:extLst>
+          </p:cNvPr>
+          <p:cNvSpPr txBox="1"/>
+          <p:nvPr/>
+        </p:nvSpPr>
+        <p:spPr>
+          <a:xfrm>
+            <a:off x="5780379" y="3690941"/>
+            <a:ext cx="1415268" cy="646331"/>
+          </a:xfrm>
+          <a:prstGeom prst="rect">
+            <a:avLst/>
+          </a:prstGeom>
+          <a:noFill/>
+        </p:spPr>
+        <p:txBody>
+          <a:bodyPr wrap="square" rtlCol="0">
+            <a:spAutoFit/>
+          </a:bodyPr>
+          <a:lstStyle/>
+          <a:p>
+            <a:r>
+              <a:rPr lang="hu-HU" sz="3600" dirty="0"/>
+              <a:t>f</a:t>
+            </a:r>
+          </a:p>
+        </p:txBody>
+      </p:sp>
+      <p:sp>
+        <p:nvSpPr>
+          <p:cNvPr id="16" name="Szövegdoboz 15">
+            <a:extLst>
+              <a:ext uri="{FF2B5EF4-FFF2-40B4-BE49-F238E27FC236}">
+                <a16:creationId xmlns:a16="http://schemas.microsoft.com/office/drawing/2014/main" id="{52AECD28-6DB2-C230-2818-427948BC37BA}"/>
+              </a:ext>
+            </a:extLst>
+          </p:cNvPr>
+          <p:cNvSpPr txBox="1"/>
+          <p:nvPr/>
+        </p:nvSpPr>
+        <p:spPr>
+          <a:xfrm>
+            <a:off x="9579429" y="3753534"/>
+            <a:ext cx="2177142" cy="646331"/>
+          </a:xfrm>
+          <a:prstGeom prst="rect">
+            <a:avLst/>
+          </a:prstGeom>
+          <a:noFill/>
+        </p:spPr>
+        <p:txBody>
+          <a:bodyPr wrap="square" rtlCol="0">
+            <a:spAutoFit/>
+          </a:bodyPr>
+          <a:lstStyle/>
+          <a:p>
+            <a:r>
+              <a:rPr lang="hu-HU" sz="3600" dirty="0" err="1"/>
+              <a:t>y</a:t>
+            </a:r>
+            <a:r>
+              <a:rPr lang="hu-HU" sz="3600" dirty="0"/>
+              <a:t> = f(x)</a:t>
+            </a:r>
+          </a:p>
+        </p:txBody>
+      </p:sp>
     </p:spTree>
     <p:extLst>
       <p:ext uri="{BB962C8B-B14F-4D97-AF65-F5344CB8AC3E}">
@@ -4259,7 +4447,7 @@
           <a:p>
             <a:r>
               <a:rPr lang="hu-HU" dirty="0"/>
-              <a:t>Hogy írok függvényt?</a:t>
+              <a:t>Mi az a függvény?</a:t>
             </a:r>
           </a:p>
         </p:txBody>
@@ -4285,10 +4473,28 @@
           <a:bodyPr/>
           <a:lstStyle/>
           <a:p>
-            <a:pPr marL="0" indent="0">
-              <a:buNone/>
-            </a:pPr>
-            <a:endParaRPr lang="hu-HU" dirty="0"/>
+            <a:r>
+              <a:rPr lang="hu-HU" dirty="0"/>
+              <a:t>Önállóan futó blokkok</a:t>
+            </a:r>
+          </a:p>
+          <a:p>
+            <a:r>
+              <a:rPr lang="hu-HU" dirty="0"/>
+              <a:t>Kód szegmentálása</a:t>
+            </a:r>
+          </a:p>
+          <a:p>
+            <a:r>
+              <a:rPr lang="hu-HU" dirty="0"/>
+              <a:t>Csak akkor fut, ha hívom</a:t>
+            </a:r>
+          </a:p>
+          <a:p>
+            <a:r>
+              <a:rPr lang="hu-HU" dirty="0"/>
+              <a:t>Ha többször hívom, többször fut</a:t>
+            </a:r>
           </a:p>
         </p:txBody>
       </p:sp>
@@ -4357,10 +4563,57 @@
           </a:extLst>
         </p:spPr>
       </p:pic>
+      <p:pic>
+        <p:nvPicPr>
+          <p:cNvPr id="1026" name="Picture 2" descr="functions | Programmer humor, Tech humor, Computer humor">
+            <a:extLst>
+              <a:ext uri="{FF2B5EF4-FFF2-40B4-BE49-F238E27FC236}">
+                <a16:creationId xmlns:a16="http://schemas.microsoft.com/office/drawing/2014/main" id="{04930D27-3575-81AC-8399-0D9C24DBA839}"/>
+              </a:ext>
+            </a:extLst>
+          </p:cNvPr>
+          <p:cNvPicPr>
+            <a:picLocks noChangeAspect="1" noChangeArrowheads="1"/>
+          </p:cNvPicPr>
+          <p:nvPr/>
+        </p:nvPicPr>
+        <p:blipFill>
+          <a:blip r:embed="rId4">
+            <a:extLst>
+              <a:ext uri="{28A0092B-C50C-407E-A947-70E740481C1C}">
+                <a14:useLocalDpi xmlns:a14="http://schemas.microsoft.com/office/drawing/2010/main" val="0"/>
+              </a:ext>
+            </a:extLst>
+          </a:blip>
+          <a:srcRect/>
+          <a:stretch>
+            <a:fillRect/>
+          </a:stretch>
+        </p:blipFill>
+        <p:spPr bwMode="auto">
+          <a:xfrm>
+            <a:off x="6825343" y="1230085"/>
+            <a:ext cx="4822623" cy="4822623"/>
+          </a:xfrm>
+          <a:prstGeom prst="rect">
+            <a:avLst/>
+          </a:prstGeom>
+          <a:noFill/>
+          <a:extLst>
+            <a:ext uri="{909E8E84-426E-40DD-AFC4-6F175D3DCCD1}">
+              <a14:hiddenFill xmlns:a14="http://schemas.microsoft.com/office/drawing/2010/main">
+                <a:solidFill>
+                  <a:srgbClr val="FFFFFF"/>
+                </a:solidFill>
+              </a14:hiddenFill>
+            </a:ext>
+          </a:extLst>
+        </p:spPr>
+      </p:pic>
     </p:spTree>
     <p:extLst>
       <p:ext uri="{BB962C8B-B14F-4D97-AF65-F5344CB8AC3E}">
-        <p14:creationId xmlns:p14="http://schemas.microsoft.com/office/powerpoint/2010/main" val="1968717417"/>
+        <p14:creationId xmlns:p14="http://schemas.microsoft.com/office/powerpoint/2010/main" val="2747009415"/>
       </p:ext>
     </p:extLst>
   </p:cSld>
@@ -4410,7 +4663,7 @@
           <a:p>
             <a:r>
               <a:rPr lang="hu-HU" dirty="0"/>
-              <a:t>Rekurzió</a:t>
+              <a:t>Hogy írok függvényt?</a:t>
             </a:r>
           </a:p>
         </p:txBody>
@@ -4436,7 +4689,24 @@
           <a:bodyPr/>
           <a:lstStyle/>
           <a:p>
-            <a:endParaRPr lang="hu-HU" dirty="0"/>
+            <a:r>
+              <a:rPr lang="hu-HU" dirty="0"/>
+              <a:t>Bemenetek száma hívásnál</a:t>
+            </a:r>
+          </a:p>
+          <a:p>
+            <a:r>
+              <a:rPr lang="hu-HU" dirty="0"/>
+              <a:t>Kimenetek </a:t>
+            </a:r>
+            <a:r>
+              <a:rPr lang="hu-HU" dirty="0" err="1"/>
+              <a:t>return</a:t>
+            </a:r>
+            <a:r>
+              <a:rPr lang="hu-HU" dirty="0"/>
+              <a:t> kulcsszó után</a:t>
+            </a:r>
           </a:p>
         </p:txBody>
       </p:sp>
@@ -4505,6 +4775,926 @@
           </a:extLst>
         </p:spPr>
       </p:pic>
+      <p:sp>
+        <p:nvSpPr>
+          <p:cNvPr id="6" name="Szövegdoboz 5">
+            <a:extLst>
+              <a:ext uri="{FF2B5EF4-FFF2-40B4-BE49-F238E27FC236}">
+                <a16:creationId xmlns:a16="http://schemas.microsoft.com/office/drawing/2014/main" id="{9376A5C2-9E1E-061A-EA2E-47EDA9DDC85C}"/>
+              </a:ext>
+            </a:extLst>
+          </p:cNvPr>
+          <p:cNvSpPr txBox="1"/>
+          <p:nvPr/>
+        </p:nvSpPr>
+        <p:spPr>
+          <a:xfrm>
+            <a:off x="3902403" y="3472541"/>
+            <a:ext cx="6096000" cy="2585323"/>
+          </a:xfrm>
+          <a:prstGeom prst="rect">
+            <a:avLst/>
+          </a:prstGeom>
+          <a:noFill/>
+        </p:spPr>
+        <p:txBody>
+          <a:bodyPr wrap="square">
+            <a:spAutoFit/>
+          </a:bodyPr>
+          <a:lstStyle/>
+          <a:p>
+            <a:r>
+              <a:rPr lang="hu-HU" dirty="0" err="1">
+                <a:solidFill>
+                  <a:srgbClr val="CC7832"/>
+                </a:solidFill>
+                <a:effectLst/>
+              </a:rPr>
+              <a:t>def</a:t>
+            </a:r>
+            <a:r>
+              <a:rPr lang="hu-HU" dirty="0">
+                <a:solidFill>
+                  <a:srgbClr val="CC7832"/>
+                </a:solidFill>
+                <a:effectLst/>
+              </a:rPr>
+              <a:t> </a:t>
+            </a:r>
+            <a:r>
+              <a:rPr lang="hu-HU" dirty="0" err="1">
+                <a:solidFill>
+                  <a:srgbClr val="FFC66D"/>
+                </a:solidFill>
+                <a:effectLst/>
+              </a:rPr>
+              <a:t>square</a:t>
+            </a:r>
+            <a:r>
+              <a:rPr lang="hu-HU" dirty="0">
+                <a:effectLst/>
+              </a:rPr>
+              <a:t>(</a:t>
+            </a:r>
+            <a:r>
+              <a:rPr lang="hu-HU" dirty="0" err="1">
+                <a:effectLst/>
+              </a:rPr>
+              <a:t>input_var</a:t>
+            </a:r>
+            <a:r>
+              <a:rPr lang="hu-HU" dirty="0">
+                <a:effectLst/>
+              </a:rPr>
+              <a:t>):</a:t>
+            </a:r>
+            <a:br>
+              <a:rPr lang="hu-HU" dirty="0">
+                <a:solidFill>
+                  <a:srgbClr val="A9B7C6"/>
+                </a:solidFill>
+                <a:effectLst/>
+              </a:rPr>
+            </a:br>
+            <a:r>
+              <a:rPr lang="hu-HU" dirty="0">
+                <a:solidFill>
+                  <a:srgbClr val="A9B7C6"/>
+                </a:solidFill>
+                <a:effectLst/>
+              </a:rPr>
+              <a:t>    </a:t>
+            </a:r>
+            <a:r>
+              <a:rPr lang="hu-HU" dirty="0">
+                <a:effectLst/>
+              </a:rPr>
+              <a:t>output =</a:t>
+            </a:r>
+            <a:r>
+              <a:rPr lang="hu-HU" dirty="0">
+                <a:solidFill>
+                  <a:srgbClr val="A9B7C6"/>
+                </a:solidFill>
+                <a:effectLst/>
+              </a:rPr>
+              <a:t> </a:t>
+            </a:r>
+            <a:r>
+              <a:rPr lang="hu-HU" dirty="0" err="1">
+                <a:solidFill>
+                  <a:srgbClr val="8888C6"/>
+                </a:solidFill>
+                <a:effectLst/>
+              </a:rPr>
+              <a:t>pow</a:t>
+            </a:r>
+            <a:r>
+              <a:rPr lang="hu-HU" dirty="0">
+                <a:effectLst/>
+              </a:rPr>
+              <a:t>(</a:t>
+            </a:r>
+            <a:r>
+              <a:rPr lang="hu-HU" dirty="0" err="1">
+                <a:effectLst/>
+              </a:rPr>
+              <a:t>input_var</a:t>
+            </a:r>
+            <a:r>
+              <a:rPr lang="hu-HU" dirty="0">
+                <a:effectLst/>
+              </a:rPr>
+              <a:t>)</a:t>
+            </a:r>
+            <a:br>
+              <a:rPr lang="hu-HU" dirty="0">
+                <a:solidFill>
+                  <a:srgbClr val="A9B7C6"/>
+                </a:solidFill>
+                <a:effectLst/>
+              </a:rPr>
+            </a:br>
+            <a:r>
+              <a:rPr lang="hu-HU" dirty="0">
+                <a:solidFill>
+                  <a:srgbClr val="A9B7C6"/>
+                </a:solidFill>
+                <a:effectLst/>
+              </a:rPr>
+              <a:t>    </a:t>
+            </a:r>
+            <a:br>
+              <a:rPr lang="hu-HU" dirty="0">
+                <a:solidFill>
+                  <a:srgbClr val="A9B7C6"/>
+                </a:solidFill>
+                <a:effectLst/>
+              </a:rPr>
+            </a:br>
+            <a:r>
+              <a:rPr lang="hu-HU" dirty="0">
+                <a:solidFill>
+                  <a:srgbClr val="A9B7C6"/>
+                </a:solidFill>
+                <a:effectLst/>
+              </a:rPr>
+              <a:t>    </a:t>
+            </a:r>
+            <a:r>
+              <a:rPr lang="hu-HU" dirty="0" err="1">
+                <a:solidFill>
+                  <a:srgbClr val="CC7832"/>
+                </a:solidFill>
+                <a:effectLst/>
+              </a:rPr>
+              <a:t>return</a:t>
+            </a:r>
+            <a:r>
+              <a:rPr lang="hu-HU" dirty="0">
+                <a:solidFill>
+                  <a:srgbClr val="CC7832"/>
+                </a:solidFill>
+                <a:effectLst/>
+              </a:rPr>
+              <a:t> </a:t>
+            </a:r>
+            <a:r>
+              <a:rPr lang="hu-HU" dirty="0">
+                <a:effectLst/>
+              </a:rPr>
+              <a:t>output</a:t>
+            </a:r>
+            <a:br>
+              <a:rPr lang="hu-HU" dirty="0">
+                <a:solidFill>
+                  <a:srgbClr val="A9B7C6"/>
+                </a:solidFill>
+                <a:effectLst/>
+              </a:rPr>
+            </a:br>
+            <a:br>
+              <a:rPr lang="hu-HU" dirty="0">
+                <a:solidFill>
+                  <a:srgbClr val="A9B7C6"/>
+                </a:solidFill>
+                <a:effectLst/>
+              </a:rPr>
+            </a:br>
+            <a:endParaRPr lang="hu-HU" dirty="0">
+              <a:solidFill>
+                <a:srgbClr val="A9B7C6"/>
+              </a:solidFill>
+              <a:effectLst/>
+            </a:endParaRPr>
+          </a:p>
+          <a:p>
+            <a:r>
+              <a:rPr lang="hu-HU" dirty="0" err="1">
+                <a:effectLst/>
+              </a:rPr>
+              <a:t>result</a:t>
+            </a:r>
+            <a:r>
+              <a:rPr lang="hu-HU" dirty="0">
+                <a:effectLst/>
+              </a:rPr>
+              <a:t> = </a:t>
+            </a:r>
+            <a:r>
+              <a:rPr lang="hu-HU" dirty="0" err="1">
+                <a:effectLst/>
+              </a:rPr>
+              <a:t>square</a:t>
+            </a:r>
+            <a:r>
+              <a:rPr lang="hu-HU" dirty="0">
+                <a:effectLst/>
+              </a:rPr>
+              <a:t>(</a:t>
+            </a:r>
+            <a:r>
+              <a:rPr lang="hu-HU" dirty="0">
+                <a:solidFill>
+                  <a:srgbClr val="6897BB"/>
+                </a:solidFill>
+                <a:effectLst/>
+              </a:rPr>
+              <a:t>45</a:t>
+            </a:r>
+            <a:r>
+              <a:rPr lang="hu-HU" dirty="0">
+                <a:effectLst/>
+              </a:rPr>
+              <a:t>)</a:t>
+            </a:r>
+          </a:p>
+          <a:p>
+            <a:r>
+              <a:rPr lang="hu-HU" dirty="0">
+                <a:effectLst/>
+              </a:rPr>
+              <a:t>result2 = </a:t>
+            </a:r>
+            <a:r>
+              <a:rPr lang="hu-HU" dirty="0" err="1">
+                <a:effectLst/>
+              </a:rPr>
+              <a:t>square</a:t>
+            </a:r>
+            <a:r>
+              <a:rPr lang="hu-HU" dirty="0">
+                <a:effectLst/>
+              </a:rPr>
+              <a:t>(</a:t>
+            </a:r>
+            <a:r>
+              <a:rPr lang="hu-HU" dirty="0">
+                <a:solidFill>
+                  <a:srgbClr val="6897BB"/>
+                </a:solidFill>
+                <a:effectLst/>
+              </a:rPr>
+              <a:t>34</a:t>
+            </a:r>
+            <a:r>
+              <a:rPr lang="hu-HU" dirty="0">
+                <a:effectLst/>
+              </a:rPr>
+              <a:t>)</a:t>
+            </a:r>
+            <a:br>
+              <a:rPr lang="hu-HU" dirty="0">
+                <a:solidFill>
+                  <a:srgbClr val="A9B7C6"/>
+                </a:solidFill>
+                <a:effectLst/>
+              </a:rPr>
+            </a:br>
+            <a:endParaRPr lang="hu-HU" dirty="0">
+              <a:effectLst/>
+            </a:endParaRPr>
+          </a:p>
+        </p:txBody>
+      </p:sp>
+      <p:sp>
+        <p:nvSpPr>
+          <p:cNvPr id="7" name="Keret 6">
+            <a:extLst>
+              <a:ext uri="{FF2B5EF4-FFF2-40B4-BE49-F238E27FC236}">
+                <a16:creationId xmlns:a16="http://schemas.microsoft.com/office/drawing/2014/main" id="{7B48D0F9-AFA7-F701-CEAD-B4CBCCB1FEC1}"/>
+              </a:ext>
+            </a:extLst>
+          </p:cNvPr>
+          <p:cNvSpPr/>
+          <p:nvPr/>
+        </p:nvSpPr>
+        <p:spPr>
+          <a:xfrm>
+            <a:off x="3200400" y="3233058"/>
+            <a:ext cx="4321629" cy="1641360"/>
+          </a:xfrm>
+          <a:prstGeom prst="frame">
+            <a:avLst>
+              <a:gd name="adj1" fmla="val 5205"/>
+            </a:avLst>
+          </a:prstGeom>
+          <a:ln w="3175"/>
+        </p:spPr>
+        <p:style>
+          <a:lnRef idx="2">
+            <a:schemeClr val="accent1">
+              <a:shade val="15000"/>
+            </a:schemeClr>
+          </a:lnRef>
+          <a:fillRef idx="1">
+            <a:schemeClr val="accent1"/>
+          </a:fillRef>
+          <a:effectRef idx="0">
+            <a:schemeClr val="accent1"/>
+          </a:effectRef>
+          <a:fontRef idx="minor">
+            <a:schemeClr val="lt1"/>
+          </a:fontRef>
+        </p:style>
+        <p:txBody>
+          <a:bodyPr rtlCol="0" anchor="ctr"/>
+          <a:lstStyle/>
+          <a:p>
+            <a:pPr algn="ctr"/>
+            <a:endParaRPr lang="hu-HU">
+              <a:solidFill>
+                <a:schemeClr val="tx1"/>
+              </a:solidFill>
+            </a:endParaRPr>
+          </a:p>
+        </p:txBody>
+      </p:sp>
+      <p:sp>
+        <p:nvSpPr>
+          <p:cNvPr id="8" name="Keret 7">
+            <a:extLst>
+              <a:ext uri="{FF2B5EF4-FFF2-40B4-BE49-F238E27FC236}">
+                <a16:creationId xmlns:a16="http://schemas.microsoft.com/office/drawing/2014/main" id="{5329A88B-529C-1C02-F743-178A1A733ED8}"/>
+              </a:ext>
+            </a:extLst>
+          </p:cNvPr>
+          <p:cNvSpPr/>
+          <p:nvPr/>
+        </p:nvSpPr>
+        <p:spPr>
+          <a:xfrm>
+            <a:off x="3200400" y="4988717"/>
+            <a:ext cx="4321629" cy="878683"/>
+          </a:xfrm>
+          <a:prstGeom prst="frame">
+            <a:avLst/>
+          </a:prstGeom>
+          <a:ln w="3175"/>
+        </p:spPr>
+        <p:style>
+          <a:lnRef idx="2">
+            <a:schemeClr val="accent1">
+              <a:shade val="15000"/>
+            </a:schemeClr>
+          </a:lnRef>
+          <a:fillRef idx="1">
+            <a:schemeClr val="accent1"/>
+          </a:fillRef>
+          <a:effectRef idx="0">
+            <a:schemeClr val="accent1"/>
+          </a:effectRef>
+          <a:fontRef idx="minor">
+            <a:schemeClr val="lt1"/>
+          </a:fontRef>
+        </p:style>
+        <p:txBody>
+          <a:bodyPr rtlCol="0" anchor="ctr"/>
+          <a:lstStyle/>
+          <a:p>
+            <a:pPr algn="ctr"/>
+            <a:endParaRPr lang="hu-HU">
+              <a:solidFill>
+                <a:schemeClr val="tx1"/>
+              </a:solidFill>
+            </a:endParaRPr>
+          </a:p>
+        </p:txBody>
+      </p:sp>
+      <p:sp>
+        <p:nvSpPr>
+          <p:cNvPr id="9" name="Szövegdoboz 8">
+            <a:extLst>
+              <a:ext uri="{FF2B5EF4-FFF2-40B4-BE49-F238E27FC236}">
+                <a16:creationId xmlns:a16="http://schemas.microsoft.com/office/drawing/2014/main" id="{1E1699A3-339E-6585-1303-B9E67F5ABD5A}"/>
+              </a:ext>
+            </a:extLst>
+          </p:cNvPr>
+          <p:cNvSpPr txBox="1"/>
+          <p:nvPr/>
+        </p:nvSpPr>
+        <p:spPr>
+          <a:xfrm>
+            <a:off x="7990115" y="3892034"/>
+            <a:ext cx="2275114" cy="369332"/>
+          </a:xfrm>
+          <a:prstGeom prst="rect">
+            <a:avLst/>
+          </a:prstGeom>
+          <a:noFill/>
+        </p:spPr>
+        <p:txBody>
+          <a:bodyPr wrap="square" rtlCol="0">
+            <a:spAutoFit/>
+          </a:bodyPr>
+          <a:lstStyle/>
+          <a:p>
+            <a:r>
+              <a:rPr lang="hu-HU" dirty="0"/>
+              <a:t>Definíció</a:t>
+            </a:r>
+          </a:p>
+        </p:txBody>
+      </p:sp>
+      <p:sp>
+        <p:nvSpPr>
+          <p:cNvPr id="10" name="Szövegdoboz 9">
+            <a:extLst>
+              <a:ext uri="{FF2B5EF4-FFF2-40B4-BE49-F238E27FC236}">
+                <a16:creationId xmlns:a16="http://schemas.microsoft.com/office/drawing/2014/main" id="{0AA20D7E-FCB3-7801-C2FA-63CFB21413F7}"/>
+              </a:ext>
+            </a:extLst>
+          </p:cNvPr>
+          <p:cNvSpPr txBox="1"/>
+          <p:nvPr/>
+        </p:nvSpPr>
+        <p:spPr>
+          <a:xfrm>
+            <a:off x="7990115" y="5240412"/>
+            <a:ext cx="2275114" cy="369332"/>
+          </a:xfrm>
+          <a:prstGeom prst="rect">
+            <a:avLst/>
+          </a:prstGeom>
+          <a:noFill/>
+        </p:spPr>
+        <p:txBody>
+          <a:bodyPr wrap="square" rtlCol="0">
+            <a:spAutoFit/>
+          </a:bodyPr>
+          <a:lstStyle/>
+          <a:p>
+            <a:r>
+              <a:rPr lang="hu-HU" dirty="0"/>
+              <a:t>Hívás</a:t>
+            </a:r>
+          </a:p>
+        </p:txBody>
+      </p:sp>
+    </p:spTree>
+    <p:extLst>
+      <p:ext uri="{BB962C8B-B14F-4D97-AF65-F5344CB8AC3E}">
+        <p14:creationId xmlns:p14="http://schemas.microsoft.com/office/powerpoint/2010/main" val="1968717417"/>
+      </p:ext>
+    </p:extLst>
+  </p:cSld>
+  <p:clrMapOvr>
+    <a:masterClrMapping/>
+  </p:clrMapOvr>
+</p:sld>
+</file>
+
+<file path=ppt/slides/slide5.xml><?xml version="1.0" encoding="utf-8"?>
+<p:sld xmlns:a="http://schemas.openxmlformats.org/drawingml/2006/main" xmlns:r="http://schemas.openxmlformats.org/officeDocument/2006/relationships" xmlns:p="http://schemas.openxmlformats.org/presentationml/2006/main">
+  <p:cSld>
+    <p:spTree>
+      <p:nvGrpSpPr>
+        <p:cNvPr id="1" name=""/>
+        <p:cNvGrpSpPr/>
+        <p:nvPr/>
+      </p:nvGrpSpPr>
+      <p:grpSpPr>
+        <a:xfrm>
+          <a:off x="0" y="0"/>
+          <a:ext cx="0" cy="0"/>
+          <a:chOff x="0" y="0"/>
+          <a:chExt cx="0" cy="0"/>
+        </a:xfrm>
+      </p:grpSpPr>
+      <p:sp>
+        <p:nvSpPr>
+          <p:cNvPr id="2" name="Cím 1">
+            <a:extLst>
+              <a:ext uri="{FF2B5EF4-FFF2-40B4-BE49-F238E27FC236}">
+                <a16:creationId xmlns:a16="http://schemas.microsoft.com/office/drawing/2014/main" id="{DD7345C3-DCE0-912F-F644-9F731867B47D}"/>
+              </a:ext>
+            </a:extLst>
+          </p:cNvPr>
+          <p:cNvSpPr>
+            <a:spLocks noGrp="1"/>
+          </p:cNvSpPr>
+          <p:nvPr>
+            <p:ph type="title"/>
+          </p:nvPr>
+        </p:nvSpPr>
+        <p:spPr/>
+        <p:txBody>
+          <a:bodyPr/>
+          <a:lstStyle/>
+          <a:p>
+            <a:r>
+              <a:rPr lang="hu-HU" dirty="0" err="1"/>
+              <a:t>Type</a:t>
+            </a:r>
+            <a:r>
+              <a:rPr lang="hu-HU" dirty="0"/>
+              <a:t> hint</a:t>
+            </a:r>
+          </a:p>
+        </p:txBody>
+      </p:sp>
+      <p:sp>
+        <p:nvSpPr>
+          <p:cNvPr id="3" name="Tartalom helye 2">
+            <a:extLst>
+              <a:ext uri="{FF2B5EF4-FFF2-40B4-BE49-F238E27FC236}">
+                <a16:creationId xmlns:a16="http://schemas.microsoft.com/office/drawing/2014/main" id="{5BCCB2A8-85F5-1BEA-48ED-A3EC9D9860C1}"/>
+              </a:ext>
+            </a:extLst>
+          </p:cNvPr>
+          <p:cNvSpPr>
+            <a:spLocks noGrp="1"/>
+          </p:cNvSpPr>
+          <p:nvPr>
+            <p:ph idx="1"/>
+          </p:nvPr>
+        </p:nvSpPr>
+        <p:spPr/>
+        <p:txBody>
+          <a:bodyPr/>
+          <a:lstStyle/>
+          <a:p>
+            <a:endParaRPr lang="hu-HU" dirty="0"/>
+          </a:p>
+        </p:txBody>
+      </p:sp>
+      <p:pic>
+        <p:nvPicPr>
+          <p:cNvPr id="4" name="Picture 4" descr="Executive Summary of Python Programming Language">
+            <a:extLst>
+              <a:ext uri="{FF2B5EF4-FFF2-40B4-BE49-F238E27FC236}">
+                <a16:creationId xmlns:a16="http://schemas.microsoft.com/office/drawing/2014/main" id="{9DC14B4B-603B-5E3F-79DD-F1528D6A99DA}"/>
+              </a:ext>
+            </a:extLst>
+          </p:cNvPr>
+          <p:cNvPicPr>
+            <a:picLocks noChangeAspect="1" noChangeArrowheads="1"/>
+          </p:cNvPicPr>
+          <p:nvPr/>
+        </p:nvPicPr>
+        <p:blipFill>
+          <a:blip r:embed="rId2">
+            <a:alphaModFix amt="17000"/>
+            <a:extLst>
+              <a:ext uri="{BEBA8EAE-BF5A-486C-A8C5-ECC9F3942E4B}">
+                <a14:imgProps xmlns:a14="http://schemas.microsoft.com/office/drawing/2010/main">
+                  <a14:imgLayer r:embed="rId3">
+                    <a14:imgEffect>
+                      <a14:colorTemperature colorTemp="6582"/>
+                    </a14:imgEffect>
+                    <a14:imgEffect>
+                      <a14:saturation sat="97000"/>
+                    </a14:imgEffect>
+                  </a14:imgLayer>
+                </a14:imgProps>
+              </a:ext>
+              <a:ext uri="{28A0092B-C50C-407E-A947-70E740481C1C}">
+                <a14:useLocalDpi xmlns:a14="http://schemas.microsoft.com/office/drawing/2010/main" val="0"/>
+              </a:ext>
+            </a:extLst>
+          </a:blip>
+          <a:srcRect/>
+          <a:stretch>
+            <a:fillRect/>
+          </a:stretch>
+        </p:blipFill>
+        <p:spPr bwMode="auto">
+          <a:xfrm>
+            <a:off x="3559377" y="1017688"/>
+            <a:ext cx="4822623" cy="4822623"/>
+          </a:xfrm>
+          <a:prstGeom prst="rect">
+            <a:avLst/>
+          </a:prstGeom>
+          <a:noFill/>
+          <a:effectLst>
+            <a:outerShdw blurRad="220002" dist="50800" dir="5400000" algn="ctr" rotWithShape="0">
+              <a:srgbClr val="000000"/>
+            </a:outerShdw>
+          </a:effectLst>
+          <a:extLst>
+            <a:ext uri="{909E8E84-426E-40DD-AFC4-6F175D3DCCD1}">
+              <a14:hiddenFill xmlns:a14="http://schemas.microsoft.com/office/drawing/2010/main">
+                <a:solidFill>
+                  <a:srgbClr val="FFFFFF"/>
+                </a:solidFill>
+              </a14:hiddenFill>
+            </a:ext>
+          </a:extLst>
+        </p:spPr>
+      </p:pic>
+      <p:sp>
+        <p:nvSpPr>
+          <p:cNvPr id="8" name="Szövegdoboz 7">
+            <a:extLst>
+              <a:ext uri="{FF2B5EF4-FFF2-40B4-BE49-F238E27FC236}">
+                <a16:creationId xmlns:a16="http://schemas.microsoft.com/office/drawing/2014/main" id="{D9BC6B33-DD34-BEB0-6D74-49FDF999CEBB}"/>
+              </a:ext>
+            </a:extLst>
+          </p:cNvPr>
+          <p:cNvSpPr txBox="1"/>
+          <p:nvPr/>
+        </p:nvSpPr>
+        <p:spPr>
+          <a:xfrm>
+            <a:off x="2922688" y="3061037"/>
+            <a:ext cx="6096000" cy="2031325"/>
+          </a:xfrm>
+          <a:prstGeom prst="rect">
+            <a:avLst/>
+          </a:prstGeom>
+          <a:noFill/>
+        </p:spPr>
+        <p:txBody>
+          <a:bodyPr wrap="square">
+            <a:spAutoFit/>
+          </a:bodyPr>
+          <a:lstStyle/>
+          <a:p>
+            <a:r>
+              <a:rPr lang="hu-HU" dirty="0" err="1">
+                <a:solidFill>
+                  <a:srgbClr val="CC7832"/>
+                </a:solidFill>
+                <a:effectLst/>
+              </a:rPr>
+              <a:t>def</a:t>
+            </a:r>
+            <a:r>
+              <a:rPr lang="hu-HU" dirty="0">
+                <a:solidFill>
+                  <a:srgbClr val="CC7832"/>
+                </a:solidFill>
+                <a:effectLst/>
+              </a:rPr>
+              <a:t> </a:t>
+            </a:r>
+            <a:r>
+              <a:rPr lang="hu-HU" dirty="0" err="1">
+                <a:solidFill>
+                  <a:srgbClr val="FFC66D"/>
+                </a:solidFill>
+                <a:effectLst/>
+              </a:rPr>
+              <a:t>square</a:t>
+            </a:r>
+            <a:r>
+              <a:rPr lang="hu-HU" dirty="0">
+                <a:effectLst/>
+              </a:rPr>
+              <a:t>(</a:t>
+            </a:r>
+            <a:r>
+              <a:rPr lang="hu-HU" dirty="0" err="1">
+                <a:effectLst/>
+              </a:rPr>
+              <a:t>input_var</a:t>
+            </a:r>
+            <a:r>
+              <a:rPr lang="hu-HU" dirty="0">
+                <a:effectLst/>
+              </a:rPr>
+              <a:t>: </a:t>
+            </a:r>
+            <a:r>
+              <a:rPr lang="hu-HU" dirty="0">
+                <a:solidFill>
+                  <a:srgbClr val="8888C6"/>
+                </a:solidFill>
+                <a:effectLst/>
+              </a:rPr>
+              <a:t>int</a:t>
+            </a:r>
+            <a:r>
+              <a:rPr lang="hu-HU" dirty="0">
+                <a:effectLst/>
+              </a:rPr>
+              <a:t>) -&gt; </a:t>
+            </a:r>
+            <a:r>
+              <a:rPr lang="hu-HU" dirty="0">
+                <a:solidFill>
+                  <a:srgbClr val="8888C6"/>
+                </a:solidFill>
+                <a:effectLst/>
+              </a:rPr>
+              <a:t>int</a:t>
+            </a:r>
+            <a:r>
+              <a:rPr lang="hu-HU" dirty="0">
+                <a:effectLst/>
+              </a:rPr>
+              <a:t>:</a:t>
+            </a:r>
+            <a:br>
+              <a:rPr lang="hu-HU" dirty="0">
+                <a:effectLst/>
+              </a:rPr>
+            </a:br>
+            <a:r>
+              <a:rPr lang="hu-HU" dirty="0">
+                <a:effectLst/>
+              </a:rPr>
+              <a:t>    output = </a:t>
+            </a:r>
+            <a:r>
+              <a:rPr lang="hu-HU" dirty="0" err="1">
+                <a:solidFill>
+                  <a:srgbClr val="8888C6"/>
+                </a:solidFill>
+                <a:effectLst/>
+              </a:rPr>
+              <a:t>pow</a:t>
+            </a:r>
+            <a:r>
+              <a:rPr lang="hu-HU" dirty="0">
+                <a:effectLst/>
+              </a:rPr>
+              <a:t>(</a:t>
+            </a:r>
+            <a:r>
+              <a:rPr lang="hu-HU" dirty="0" err="1">
+                <a:effectLst/>
+              </a:rPr>
+              <a:t>input_var</a:t>
+            </a:r>
+            <a:r>
+              <a:rPr lang="hu-HU" dirty="0">
+                <a:effectLst/>
+              </a:rPr>
+              <a:t>)</a:t>
+            </a:r>
+            <a:br>
+              <a:rPr lang="hu-HU" dirty="0">
+                <a:solidFill>
+                  <a:srgbClr val="A9B7C6"/>
+                </a:solidFill>
+                <a:effectLst/>
+              </a:rPr>
+            </a:br>
+            <a:r>
+              <a:rPr lang="hu-HU" dirty="0">
+                <a:solidFill>
+                  <a:srgbClr val="A9B7C6"/>
+                </a:solidFill>
+                <a:effectLst/>
+              </a:rPr>
+              <a:t>    </a:t>
+            </a:r>
+            <a:br>
+              <a:rPr lang="hu-HU" dirty="0">
+                <a:solidFill>
+                  <a:srgbClr val="A9B7C6"/>
+                </a:solidFill>
+                <a:effectLst/>
+              </a:rPr>
+            </a:br>
+            <a:r>
+              <a:rPr lang="hu-HU" dirty="0">
+                <a:solidFill>
+                  <a:srgbClr val="A9B7C6"/>
+                </a:solidFill>
+                <a:effectLst/>
+              </a:rPr>
+              <a:t>    </a:t>
+            </a:r>
+            <a:r>
+              <a:rPr lang="hu-HU" dirty="0" err="1">
+                <a:solidFill>
+                  <a:srgbClr val="CC7832"/>
+                </a:solidFill>
+                <a:effectLst/>
+              </a:rPr>
+              <a:t>return</a:t>
+            </a:r>
+            <a:r>
+              <a:rPr lang="hu-HU" dirty="0">
+                <a:solidFill>
+                  <a:srgbClr val="CC7832"/>
+                </a:solidFill>
+                <a:effectLst/>
+              </a:rPr>
+              <a:t> </a:t>
+            </a:r>
+            <a:r>
+              <a:rPr lang="hu-HU" dirty="0">
+                <a:effectLst/>
+              </a:rPr>
+              <a:t>output</a:t>
+            </a:r>
+            <a:br>
+              <a:rPr lang="hu-HU" dirty="0">
+                <a:solidFill>
+                  <a:srgbClr val="A9B7C6"/>
+                </a:solidFill>
+                <a:effectLst/>
+              </a:rPr>
+            </a:br>
+            <a:br>
+              <a:rPr lang="hu-HU" dirty="0">
+                <a:solidFill>
+                  <a:srgbClr val="A9B7C6"/>
+                </a:solidFill>
+                <a:effectLst/>
+              </a:rPr>
+            </a:br>
+            <a:r>
+              <a:rPr lang="hu-HU" dirty="0" err="1">
+                <a:effectLst/>
+              </a:rPr>
+              <a:t>result</a:t>
+            </a:r>
+            <a:r>
+              <a:rPr lang="hu-HU" dirty="0">
+                <a:effectLst/>
+              </a:rPr>
+              <a:t> = </a:t>
+            </a:r>
+            <a:r>
+              <a:rPr lang="hu-HU" dirty="0" err="1">
+                <a:effectLst/>
+              </a:rPr>
+              <a:t>square</a:t>
+            </a:r>
+            <a:r>
+              <a:rPr lang="hu-HU" dirty="0">
+                <a:effectLst/>
+              </a:rPr>
+              <a:t>(</a:t>
+            </a:r>
+            <a:r>
+              <a:rPr lang="hu-HU" dirty="0">
+                <a:solidFill>
+                  <a:srgbClr val="6897BB"/>
+                </a:solidFill>
+                <a:effectLst/>
+              </a:rPr>
+              <a:t>45</a:t>
+            </a:r>
+            <a:r>
+              <a:rPr lang="hu-HU" dirty="0">
+                <a:effectLst/>
+              </a:rPr>
+              <a:t>)</a:t>
+            </a:r>
+            <a:br>
+              <a:rPr lang="hu-HU" dirty="0">
+                <a:solidFill>
+                  <a:srgbClr val="A9B7C6"/>
+                </a:solidFill>
+                <a:effectLst/>
+              </a:rPr>
+            </a:br>
+            <a:r>
+              <a:rPr lang="hu-HU" dirty="0">
+                <a:solidFill>
+                  <a:srgbClr val="8888C6"/>
+                </a:solidFill>
+                <a:effectLst/>
+              </a:rPr>
+              <a:t>print</a:t>
+            </a:r>
+            <a:r>
+              <a:rPr lang="hu-HU" dirty="0">
+                <a:effectLst/>
+              </a:rPr>
+              <a:t>(</a:t>
+            </a:r>
+            <a:r>
+              <a:rPr lang="hu-HU" dirty="0" err="1">
+                <a:effectLst/>
+              </a:rPr>
+              <a:t>result</a:t>
+            </a:r>
+            <a:r>
+              <a:rPr lang="hu-HU" dirty="0">
+                <a:effectLst/>
+              </a:rPr>
+              <a:t>)</a:t>
+            </a:r>
+          </a:p>
+        </p:txBody>
+      </p:sp>
     </p:spTree>
     <p:extLst>
       <p:ext uri="{BB962C8B-B14F-4D97-AF65-F5344CB8AC3E}">
@@ -4518,7 +5708,1057 @@
 </p:sld>
 </file>
 
-<file path=ppt/slides/slide5.xml><?xml version="1.0" encoding="utf-8"?>
+<file path=ppt/slides/slide6.xml><?xml version="1.0" encoding="utf-8"?>
+<p:sld xmlns:a="http://schemas.openxmlformats.org/drawingml/2006/main" xmlns:r="http://schemas.openxmlformats.org/officeDocument/2006/relationships" xmlns:p="http://schemas.openxmlformats.org/presentationml/2006/main">
+  <p:cSld>
+    <p:spTree>
+      <p:nvGrpSpPr>
+        <p:cNvPr id="1" name=""/>
+        <p:cNvGrpSpPr/>
+        <p:nvPr/>
+      </p:nvGrpSpPr>
+      <p:grpSpPr>
+        <a:xfrm>
+          <a:off x="0" y="0"/>
+          <a:ext cx="0" cy="0"/>
+          <a:chOff x="0" y="0"/>
+          <a:chExt cx="0" cy="0"/>
+        </a:xfrm>
+      </p:grpSpPr>
+      <p:sp>
+        <p:nvSpPr>
+          <p:cNvPr id="2" name="Cím 1">
+            <a:extLst>
+              <a:ext uri="{FF2B5EF4-FFF2-40B4-BE49-F238E27FC236}">
+                <a16:creationId xmlns:a16="http://schemas.microsoft.com/office/drawing/2014/main" id="{DD7345C3-DCE0-912F-F644-9F731867B47D}"/>
+              </a:ext>
+            </a:extLst>
+          </p:cNvPr>
+          <p:cNvSpPr>
+            <a:spLocks noGrp="1"/>
+          </p:cNvSpPr>
+          <p:nvPr>
+            <p:ph type="title"/>
+          </p:nvPr>
+        </p:nvSpPr>
+        <p:spPr/>
+        <p:txBody>
+          <a:bodyPr/>
+          <a:lstStyle/>
+          <a:p>
+            <a:r>
+              <a:rPr lang="hu-HU" dirty="0" err="1"/>
+              <a:t>Docstring</a:t>
+            </a:r>
+            <a:endParaRPr lang="hu-HU" dirty="0"/>
+          </a:p>
+        </p:txBody>
+      </p:sp>
+      <p:sp>
+        <p:nvSpPr>
+          <p:cNvPr id="3" name="Tartalom helye 2">
+            <a:extLst>
+              <a:ext uri="{FF2B5EF4-FFF2-40B4-BE49-F238E27FC236}">
+                <a16:creationId xmlns:a16="http://schemas.microsoft.com/office/drawing/2014/main" id="{5BCCB2A8-85F5-1BEA-48ED-A3EC9D9860C1}"/>
+              </a:ext>
+            </a:extLst>
+          </p:cNvPr>
+          <p:cNvSpPr>
+            <a:spLocks noGrp="1"/>
+          </p:cNvSpPr>
+          <p:nvPr>
+            <p:ph idx="1"/>
+          </p:nvPr>
+        </p:nvSpPr>
+        <p:spPr/>
+        <p:txBody>
+          <a:bodyPr/>
+          <a:lstStyle/>
+          <a:p>
+            <a:endParaRPr lang="hu-HU" dirty="0"/>
+          </a:p>
+        </p:txBody>
+      </p:sp>
+      <p:pic>
+        <p:nvPicPr>
+          <p:cNvPr id="4" name="Picture 4" descr="Executive Summary of Python Programming Language">
+            <a:extLst>
+              <a:ext uri="{FF2B5EF4-FFF2-40B4-BE49-F238E27FC236}">
+                <a16:creationId xmlns:a16="http://schemas.microsoft.com/office/drawing/2014/main" id="{9DC14B4B-603B-5E3F-79DD-F1528D6A99DA}"/>
+              </a:ext>
+            </a:extLst>
+          </p:cNvPr>
+          <p:cNvPicPr>
+            <a:picLocks noChangeAspect="1" noChangeArrowheads="1"/>
+          </p:cNvPicPr>
+          <p:nvPr/>
+        </p:nvPicPr>
+        <p:blipFill>
+          <a:blip r:embed="rId2">
+            <a:alphaModFix amt="17000"/>
+            <a:extLst>
+              <a:ext uri="{BEBA8EAE-BF5A-486C-A8C5-ECC9F3942E4B}">
+                <a14:imgProps xmlns:a14="http://schemas.microsoft.com/office/drawing/2010/main">
+                  <a14:imgLayer r:embed="rId3">
+                    <a14:imgEffect>
+                      <a14:colorTemperature colorTemp="6582"/>
+                    </a14:imgEffect>
+                    <a14:imgEffect>
+                      <a14:saturation sat="97000"/>
+                    </a14:imgEffect>
+                  </a14:imgLayer>
+                </a14:imgProps>
+              </a:ext>
+              <a:ext uri="{28A0092B-C50C-407E-A947-70E740481C1C}">
+                <a14:useLocalDpi xmlns:a14="http://schemas.microsoft.com/office/drawing/2010/main" val="0"/>
+              </a:ext>
+            </a:extLst>
+          </a:blip>
+          <a:srcRect/>
+          <a:stretch>
+            <a:fillRect/>
+          </a:stretch>
+        </p:blipFill>
+        <p:spPr bwMode="auto">
+          <a:xfrm>
+            <a:off x="3559377" y="1017688"/>
+            <a:ext cx="4822623" cy="4822623"/>
+          </a:xfrm>
+          <a:prstGeom prst="rect">
+            <a:avLst/>
+          </a:prstGeom>
+          <a:noFill/>
+          <a:effectLst>
+            <a:outerShdw blurRad="220002" dist="50800" dir="5400000" algn="ctr" rotWithShape="0">
+              <a:srgbClr val="000000"/>
+            </a:outerShdw>
+          </a:effectLst>
+          <a:extLst>
+            <a:ext uri="{909E8E84-426E-40DD-AFC4-6F175D3DCCD1}">
+              <a14:hiddenFill xmlns:a14="http://schemas.microsoft.com/office/drawing/2010/main">
+                <a:solidFill>
+                  <a:srgbClr val="FFFFFF"/>
+                </a:solidFill>
+              </a14:hiddenFill>
+            </a:ext>
+          </a:extLst>
+        </p:spPr>
+      </p:pic>
+      <p:sp>
+        <p:nvSpPr>
+          <p:cNvPr id="5" name="Szövegdoboz 4">
+            <a:extLst>
+              <a:ext uri="{FF2B5EF4-FFF2-40B4-BE49-F238E27FC236}">
+                <a16:creationId xmlns:a16="http://schemas.microsoft.com/office/drawing/2014/main" id="{0D43ACE4-B09F-1C2C-5EF1-3E033EFA3A86}"/>
+              </a:ext>
+            </a:extLst>
+          </p:cNvPr>
+          <p:cNvSpPr txBox="1"/>
+          <p:nvPr/>
+        </p:nvSpPr>
+        <p:spPr>
+          <a:xfrm>
+            <a:off x="2492828" y="2230040"/>
+            <a:ext cx="6096000" cy="3970318"/>
+          </a:xfrm>
+          <a:prstGeom prst="rect">
+            <a:avLst/>
+          </a:prstGeom>
+          <a:noFill/>
+        </p:spPr>
+        <p:txBody>
+          <a:bodyPr wrap="square">
+            <a:spAutoFit/>
+          </a:bodyPr>
+          <a:lstStyle/>
+          <a:p>
+            <a:r>
+              <a:rPr lang="hu-HU" dirty="0" err="1">
+                <a:solidFill>
+                  <a:srgbClr val="CC7832"/>
+                </a:solidFill>
+                <a:effectLst/>
+              </a:rPr>
+              <a:t>def</a:t>
+            </a:r>
+            <a:r>
+              <a:rPr lang="hu-HU" dirty="0">
+                <a:solidFill>
+                  <a:srgbClr val="CC7832"/>
+                </a:solidFill>
+                <a:effectLst/>
+              </a:rPr>
+              <a:t> </a:t>
+            </a:r>
+            <a:r>
+              <a:rPr lang="hu-HU" dirty="0" err="1">
+                <a:solidFill>
+                  <a:srgbClr val="FFC66D"/>
+                </a:solidFill>
+                <a:effectLst/>
+              </a:rPr>
+              <a:t>square</a:t>
+            </a:r>
+            <a:r>
+              <a:rPr lang="hu-HU" dirty="0">
+                <a:effectLst/>
+              </a:rPr>
+              <a:t>(</a:t>
+            </a:r>
+            <a:r>
+              <a:rPr lang="hu-HU" dirty="0" err="1">
+                <a:effectLst/>
+              </a:rPr>
+              <a:t>input_var</a:t>
+            </a:r>
+            <a:r>
+              <a:rPr lang="hu-HU" dirty="0">
+                <a:effectLst/>
+              </a:rPr>
+              <a:t>: </a:t>
+            </a:r>
+            <a:r>
+              <a:rPr lang="hu-HU" dirty="0">
+                <a:solidFill>
+                  <a:srgbClr val="8888C6"/>
+                </a:solidFill>
+                <a:effectLst/>
+              </a:rPr>
+              <a:t>int</a:t>
+            </a:r>
+            <a:r>
+              <a:rPr lang="hu-HU" dirty="0">
+                <a:effectLst/>
+              </a:rPr>
+              <a:t>) -&gt; </a:t>
+            </a:r>
+            <a:r>
+              <a:rPr lang="hu-HU" dirty="0">
+                <a:solidFill>
+                  <a:srgbClr val="8888C6"/>
+                </a:solidFill>
+                <a:effectLst/>
+              </a:rPr>
+              <a:t>int</a:t>
+            </a:r>
+            <a:r>
+              <a:rPr lang="hu-HU" dirty="0">
+                <a:solidFill>
+                  <a:srgbClr val="A9B7C6"/>
+                </a:solidFill>
+                <a:effectLst/>
+              </a:rPr>
+              <a:t>:</a:t>
+            </a:r>
+            <a:br>
+              <a:rPr lang="hu-HU" dirty="0">
+                <a:solidFill>
+                  <a:srgbClr val="A9B7C6"/>
+                </a:solidFill>
+                <a:effectLst/>
+              </a:rPr>
+            </a:br>
+            <a:r>
+              <a:rPr lang="hu-HU" dirty="0">
+                <a:solidFill>
+                  <a:srgbClr val="A9B7C6"/>
+                </a:solidFill>
+                <a:effectLst/>
+              </a:rPr>
+              <a:t>    </a:t>
+            </a:r>
+            <a:r>
+              <a:rPr lang="hu-HU" i="1" dirty="0">
+                <a:solidFill>
+                  <a:srgbClr val="629755"/>
+                </a:solidFill>
+                <a:effectLst/>
+              </a:rPr>
+              <a:t>"""</a:t>
+            </a:r>
+            <a:br>
+              <a:rPr lang="hu-HU" i="1" dirty="0">
+                <a:solidFill>
+                  <a:srgbClr val="629755"/>
+                </a:solidFill>
+                <a:effectLst/>
+              </a:rPr>
+            </a:br>
+            <a:r>
+              <a:rPr lang="hu-HU" i="1" dirty="0">
+                <a:solidFill>
+                  <a:srgbClr val="629755"/>
+                </a:solidFill>
+                <a:effectLst/>
+              </a:rPr>
+              <a:t>    </a:t>
+            </a:r>
+            <a:r>
+              <a:rPr lang="hu-HU" i="1" dirty="0" err="1">
+                <a:solidFill>
+                  <a:srgbClr val="629755"/>
+                </a:solidFill>
+                <a:effectLst/>
+              </a:rPr>
+              <a:t>This</a:t>
+            </a:r>
+            <a:r>
+              <a:rPr lang="hu-HU" i="1" dirty="0">
+                <a:solidFill>
+                  <a:srgbClr val="629755"/>
+                </a:solidFill>
+                <a:effectLst/>
+              </a:rPr>
+              <a:t> </a:t>
+            </a:r>
+            <a:r>
+              <a:rPr lang="hu-HU" i="1" dirty="0" err="1">
+                <a:solidFill>
+                  <a:srgbClr val="629755"/>
+                </a:solidFill>
+                <a:effectLst/>
+              </a:rPr>
+              <a:t>function</a:t>
+            </a:r>
+            <a:r>
+              <a:rPr lang="hu-HU" i="1" dirty="0">
+                <a:solidFill>
+                  <a:srgbClr val="629755"/>
+                </a:solidFill>
+                <a:effectLst/>
+              </a:rPr>
+              <a:t> is </a:t>
+            </a:r>
+            <a:r>
+              <a:rPr lang="hu-HU" i="1" dirty="0" err="1">
+                <a:solidFill>
+                  <a:srgbClr val="629755"/>
+                </a:solidFill>
+                <a:effectLst/>
+              </a:rPr>
+              <a:t>responsible</a:t>
+            </a:r>
+            <a:r>
+              <a:rPr lang="hu-HU" i="1" dirty="0">
+                <a:solidFill>
+                  <a:srgbClr val="629755"/>
+                </a:solidFill>
+                <a:effectLst/>
+              </a:rPr>
+              <a:t> </a:t>
+            </a:r>
+            <a:r>
+              <a:rPr lang="hu-HU" i="1" dirty="0" err="1">
+                <a:solidFill>
+                  <a:srgbClr val="629755"/>
+                </a:solidFill>
+                <a:effectLst/>
+              </a:rPr>
+              <a:t>for</a:t>
+            </a:r>
+            <a:r>
+              <a:rPr lang="hu-HU" i="1" dirty="0">
+                <a:solidFill>
+                  <a:srgbClr val="629755"/>
+                </a:solidFill>
+                <a:effectLst/>
+              </a:rPr>
+              <a:t> </a:t>
+            </a:r>
+            <a:r>
+              <a:rPr lang="hu-HU" i="1" dirty="0" err="1">
+                <a:solidFill>
+                  <a:srgbClr val="629755"/>
+                </a:solidFill>
+                <a:effectLst/>
+              </a:rPr>
+              <a:t>squaring</a:t>
+            </a:r>
+            <a:r>
+              <a:rPr lang="hu-HU" i="1" dirty="0">
+                <a:solidFill>
+                  <a:srgbClr val="629755"/>
+                </a:solidFill>
+                <a:effectLst/>
+              </a:rPr>
+              <a:t> </a:t>
+            </a:r>
+            <a:r>
+              <a:rPr lang="hu-HU" i="1" dirty="0" err="1">
+                <a:solidFill>
+                  <a:srgbClr val="629755"/>
+                </a:solidFill>
+                <a:effectLst/>
+              </a:rPr>
+              <a:t>the</a:t>
+            </a:r>
+            <a:r>
+              <a:rPr lang="hu-HU" i="1" dirty="0">
+                <a:solidFill>
+                  <a:srgbClr val="629755"/>
+                </a:solidFill>
+                <a:effectLst/>
+              </a:rPr>
+              <a:t> input 	</a:t>
+            </a:r>
+            <a:r>
+              <a:rPr lang="hu-HU" i="1" dirty="0" err="1">
+                <a:solidFill>
+                  <a:srgbClr val="629755"/>
+                </a:solidFill>
+                <a:effectLst/>
+              </a:rPr>
+              <a:t>parameter</a:t>
+            </a:r>
+            <a:br>
+              <a:rPr lang="hu-HU" i="1" dirty="0">
+                <a:solidFill>
+                  <a:srgbClr val="629755"/>
+                </a:solidFill>
+                <a:effectLst/>
+              </a:rPr>
+            </a:br>
+            <a:r>
+              <a:rPr lang="hu-HU" i="1" dirty="0">
+                <a:solidFill>
+                  <a:srgbClr val="629755"/>
+                </a:solidFill>
+                <a:effectLst/>
+              </a:rPr>
+              <a:t>    </a:t>
+            </a:r>
+            <a:r>
+              <a:rPr lang="hu-HU" b="1" i="1" dirty="0">
+                <a:solidFill>
+                  <a:srgbClr val="629755"/>
+                </a:solidFill>
+                <a:effectLst/>
+              </a:rPr>
+              <a:t>:</a:t>
+            </a:r>
+            <a:r>
+              <a:rPr lang="hu-HU" b="1" i="1" dirty="0" err="1">
+                <a:solidFill>
+                  <a:srgbClr val="629755"/>
+                </a:solidFill>
+                <a:effectLst/>
+              </a:rPr>
+              <a:t>param</a:t>
+            </a:r>
+            <a:r>
+              <a:rPr lang="hu-HU" i="1" dirty="0">
+                <a:solidFill>
+                  <a:srgbClr val="629755"/>
+                </a:solidFill>
+                <a:effectLst/>
+              </a:rPr>
+              <a:t> </a:t>
+            </a:r>
+            <a:r>
+              <a:rPr lang="hu-HU" i="1" dirty="0" err="1">
+                <a:solidFill>
+                  <a:srgbClr val="629755"/>
+                </a:solidFill>
+                <a:effectLst/>
+              </a:rPr>
+              <a:t>input_var</a:t>
+            </a:r>
+            <a:r>
+              <a:rPr lang="hu-HU" i="1" dirty="0">
+                <a:solidFill>
+                  <a:srgbClr val="629755"/>
+                </a:solidFill>
+                <a:effectLst/>
+              </a:rPr>
+              <a:t>: </a:t>
+            </a:r>
+            <a:r>
+              <a:rPr lang="hu-HU" i="1" dirty="0" err="1">
+                <a:solidFill>
+                  <a:srgbClr val="629755"/>
+                </a:solidFill>
+                <a:effectLst/>
+              </a:rPr>
+              <a:t>this</a:t>
+            </a:r>
+            <a:r>
+              <a:rPr lang="hu-HU" i="1" dirty="0">
+                <a:solidFill>
+                  <a:srgbClr val="629755"/>
+                </a:solidFill>
+                <a:effectLst/>
+              </a:rPr>
+              <a:t> </a:t>
+            </a:r>
+            <a:r>
+              <a:rPr lang="hu-HU" i="1" dirty="0" err="1">
+                <a:solidFill>
+                  <a:srgbClr val="629755"/>
+                </a:solidFill>
+                <a:effectLst/>
+              </a:rPr>
+              <a:t>variable</a:t>
+            </a:r>
+            <a:r>
+              <a:rPr lang="hu-HU" i="1" dirty="0">
+                <a:solidFill>
+                  <a:srgbClr val="629755"/>
+                </a:solidFill>
+                <a:effectLst/>
+              </a:rPr>
+              <a:t> </a:t>
+            </a:r>
+            <a:r>
+              <a:rPr lang="hu-HU" i="1" dirty="0" err="1">
+                <a:solidFill>
+                  <a:srgbClr val="629755"/>
+                </a:solidFill>
+                <a:effectLst/>
+              </a:rPr>
+              <a:t>will</a:t>
+            </a:r>
+            <a:r>
+              <a:rPr lang="hu-HU" i="1" dirty="0">
+                <a:solidFill>
+                  <a:srgbClr val="629755"/>
+                </a:solidFill>
+                <a:effectLst/>
+              </a:rPr>
+              <a:t> be </a:t>
+            </a:r>
+            <a:r>
+              <a:rPr lang="hu-HU" i="1" dirty="0" err="1">
+                <a:solidFill>
+                  <a:srgbClr val="629755"/>
+                </a:solidFill>
+                <a:effectLst/>
+              </a:rPr>
+              <a:t>squared</a:t>
+            </a:r>
+            <a:br>
+              <a:rPr lang="hu-HU" i="1" dirty="0">
+                <a:solidFill>
+                  <a:srgbClr val="629755"/>
+                </a:solidFill>
+                <a:effectLst/>
+              </a:rPr>
+            </a:br>
+            <a:r>
+              <a:rPr lang="hu-HU" i="1" dirty="0">
+                <a:solidFill>
+                  <a:srgbClr val="629755"/>
+                </a:solidFill>
+                <a:effectLst/>
+              </a:rPr>
+              <a:t>    </a:t>
+            </a:r>
+            <a:r>
+              <a:rPr lang="hu-HU" b="1" i="1" dirty="0">
+                <a:solidFill>
+                  <a:srgbClr val="629755"/>
+                </a:solidFill>
+                <a:effectLst/>
+              </a:rPr>
+              <a:t>:</a:t>
+            </a:r>
+            <a:r>
+              <a:rPr lang="hu-HU" b="1" i="1" dirty="0" err="1">
+                <a:solidFill>
+                  <a:srgbClr val="629755"/>
+                </a:solidFill>
+                <a:effectLst/>
+              </a:rPr>
+              <a:t>return</a:t>
+            </a:r>
+            <a:r>
+              <a:rPr lang="hu-HU" i="1" dirty="0">
+                <a:solidFill>
+                  <a:srgbClr val="629755"/>
+                </a:solidFill>
+                <a:effectLst/>
+              </a:rPr>
+              <a:t>: </a:t>
+            </a:r>
+            <a:r>
+              <a:rPr lang="hu-HU" i="1" dirty="0" err="1">
+                <a:solidFill>
+                  <a:srgbClr val="629755"/>
+                </a:solidFill>
+                <a:effectLst/>
+              </a:rPr>
+              <a:t>this</a:t>
+            </a:r>
+            <a:r>
+              <a:rPr lang="hu-HU" i="1" dirty="0">
+                <a:solidFill>
+                  <a:srgbClr val="629755"/>
+                </a:solidFill>
+                <a:effectLst/>
+              </a:rPr>
+              <a:t> is </a:t>
+            </a:r>
+            <a:r>
+              <a:rPr lang="hu-HU" i="1" dirty="0" err="1">
+                <a:solidFill>
+                  <a:srgbClr val="629755"/>
+                </a:solidFill>
+                <a:effectLst/>
+              </a:rPr>
+              <a:t>our</a:t>
+            </a:r>
+            <a:r>
+              <a:rPr lang="hu-HU" i="1" dirty="0">
+                <a:solidFill>
+                  <a:srgbClr val="629755"/>
+                </a:solidFill>
+                <a:effectLst/>
+              </a:rPr>
+              <a:t> </a:t>
+            </a:r>
+            <a:r>
+              <a:rPr lang="hu-HU" i="1" dirty="0" err="1">
+                <a:solidFill>
+                  <a:srgbClr val="629755"/>
+                </a:solidFill>
+                <a:effectLst/>
+              </a:rPr>
+              <a:t>result</a:t>
+            </a:r>
+            <a:br>
+              <a:rPr lang="hu-HU" i="1" dirty="0">
+                <a:solidFill>
+                  <a:srgbClr val="629755"/>
+                </a:solidFill>
+                <a:effectLst/>
+              </a:rPr>
+            </a:br>
+            <a:r>
+              <a:rPr lang="hu-HU" i="1" dirty="0">
+                <a:solidFill>
+                  <a:srgbClr val="629755"/>
+                </a:solidFill>
+                <a:effectLst/>
+              </a:rPr>
+              <a:t>    """</a:t>
+            </a:r>
+            <a:br>
+              <a:rPr lang="hu-HU" i="1" dirty="0">
+                <a:solidFill>
+                  <a:srgbClr val="629755"/>
+                </a:solidFill>
+                <a:effectLst/>
+              </a:rPr>
+            </a:br>
+            <a:r>
+              <a:rPr lang="hu-HU" i="1" dirty="0">
+                <a:effectLst/>
+              </a:rPr>
+              <a:t>    </a:t>
+            </a:r>
+            <a:r>
+              <a:rPr lang="hu-HU" dirty="0">
+                <a:effectLst/>
+              </a:rPr>
+              <a:t>output = </a:t>
+            </a:r>
+            <a:r>
+              <a:rPr lang="hu-HU" dirty="0" err="1">
+                <a:solidFill>
+                  <a:srgbClr val="8888C6"/>
+                </a:solidFill>
+                <a:effectLst/>
+              </a:rPr>
+              <a:t>pow</a:t>
+            </a:r>
+            <a:r>
+              <a:rPr lang="hu-HU" dirty="0">
+                <a:effectLst/>
+              </a:rPr>
+              <a:t>(</a:t>
+            </a:r>
+            <a:r>
+              <a:rPr lang="hu-HU" dirty="0" err="1">
+                <a:effectLst/>
+              </a:rPr>
+              <a:t>input_var</a:t>
+            </a:r>
+            <a:r>
+              <a:rPr lang="hu-HU" dirty="0">
+                <a:effectLst/>
+              </a:rPr>
+              <a:t>)</a:t>
+            </a:r>
+            <a:br>
+              <a:rPr lang="hu-HU" dirty="0">
+                <a:solidFill>
+                  <a:srgbClr val="A9B7C6"/>
+                </a:solidFill>
+                <a:effectLst/>
+              </a:rPr>
+            </a:br>
+            <a:br>
+              <a:rPr lang="hu-HU" dirty="0">
+                <a:solidFill>
+                  <a:srgbClr val="A9B7C6"/>
+                </a:solidFill>
+                <a:effectLst/>
+              </a:rPr>
+            </a:br>
+            <a:r>
+              <a:rPr lang="hu-HU" dirty="0">
+                <a:solidFill>
+                  <a:srgbClr val="A9B7C6"/>
+                </a:solidFill>
+                <a:effectLst/>
+              </a:rPr>
+              <a:t>    </a:t>
+            </a:r>
+            <a:r>
+              <a:rPr lang="hu-HU" dirty="0" err="1">
+                <a:solidFill>
+                  <a:srgbClr val="CC7832"/>
+                </a:solidFill>
+                <a:effectLst/>
+              </a:rPr>
+              <a:t>return</a:t>
+            </a:r>
+            <a:r>
+              <a:rPr lang="hu-HU" dirty="0">
+                <a:solidFill>
+                  <a:srgbClr val="CC7832"/>
+                </a:solidFill>
+                <a:effectLst/>
+              </a:rPr>
+              <a:t> </a:t>
+            </a:r>
+            <a:r>
+              <a:rPr lang="hu-HU" dirty="0">
+                <a:effectLst/>
+              </a:rPr>
+              <a:t>output</a:t>
+            </a:r>
+            <a:br>
+              <a:rPr lang="hu-HU" dirty="0">
+                <a:solidFill>
+                  <a:srgbClr val="A9B7C6"/>
+                </a:solidFill>
+                <a:effectLst/>
+              </a:rPr>
+            </a:br>
+            <a:br>
+              <a:rPr lang="hu-HU" dirty="0">
+                <a:solidFill>
+                  <a:srgbClr val="A9B7C6"/>
+                </a:solidFill>
+                <a:effectLst/>
+              </a:rPr>
+            </a:br>
+            <a:br>
+              <a:rPr lang="hu-HU" dirty="0">
+                <a:solidFill>
+                  <a:srgbClr val="A9B7C6"/>
+                </a:solidFill>
+                <a:effectLst/>
+              </a:rPr>
+            </a:br>
+            <a:r>
+              <a:rPr lang="hu-HU" dirty="0" err="1">
+                <a:effectLst/>
+              </a:rPr>
+              <a:t>result</a:t>
+            </a:r>
+            <a:r>
+              <a:rPr lang="hu-HU" dirty="0">
+                <a:effectLst/>
+              </a:rPr>
+              <a:t> = </a:t>
+            </a:r>
+            <a:r>
+              <a:rPr lang="hu-HU" dirty="0" err="1">
+                <a:effectLst/>
+              </a:rPr>
+              <a:t>square</a:t>
+            </a:r>
+            <a:r>
+              <a:rPr lang="hu-HU" dirty="0">
+                <a:effectLst/>
+              </a:rPr>
+              <a:t>(</a:t>
+            </a:r>
+            <a:r>
+              <a:rPr lang="hu-HU" dirty="0">
+                <a:solidFill>
+                  <a:srgbClr val="6897BB"/>
+                </a:solidFill>
+                <a:effectLst/>
+              </a:rPr>
+              <a:t>45</a:t>
+            </a:r>
+            <a:r>
+              <a:rPr lang="hu-HU" dirty="0">
+                <a:effectLst/>
+              </a:rPr>
+              <a:t>)</a:t>
+            </a:r>
+            <a:br>
+              <a:rPr lang="hu-HU" dirty="0">
+                <a:solidFill>
+                  <a:srgbClr val="A9B7C6"/>
+                </a:solidFill>
+                <a:effectLst/>
+              </a:rPr>
+            </a:br>
+            <a:r>
+              <a:rPr lang="hu-HU" dirty="0">
+                <a:solidFill>
+                  <a:srgbClr val="8888C6"/>
+                </a:solidFill>
+                <a:effectLst/>
+              </a:rPr>
+              <a:t>print</a:t>
+            </a:r>
+            <a:r>
+              <a:rPr lang="hu-HU" dirty="0">
+                <a:effectLst/>
+              </a:rPr>
+              <a:t>(</a:t>
+            </a:r>
+            <a:r>
+              <a:rPr lang="hu-HU" dirty="0" err="1">
+                <a:effectLst/>
+              </a:rPr>
+              <a:t>result</a:t>
+            </a:r>
+            <a:r>
+              <a:rPr lang="hu-HU" dirty="0">
+                <a:effectLst/>
+              </a:rPr>
+              <a:t>)</a:t>
+            </a:r>
+          </a:p>
+        </p:txBody>
+      </p:sp>
+    </p:spTree>
+    <p:extLst>
+      <p:ext uri="{BB962C8B-B14F-4D97-AF65-F5344CB8AC3E}">
+        <p14:creationId xmlns:p14="http://schemas.microsoft.com/office/powerpoint/2010/main" val="3321692496"/>
+      </p:ext>
+    </p:extLst>
+  </p:cSld>
+  <p:clrMapOvr>
+    <a:masterClrMapping/>
+  </p:clrMapOvr>
+</p:sld>
+</file>
+
+<file path=ppt/slides/slide7.xml><?xml version="1.0" encoding="utf-8"?>
+<p:sld xmlns:a="http://schemas.openxmlformats.org/drawingml/2006/main" xmlns:r="http://schemas.openxmlformats.org/officeDocument/2006/relationships" xmlns:p="http://schemas.openxmlformats.org/presentationml/2006/main">
+  <p:cSld>
+    <p:spTree>
+      <p:nvGrpSpPr>
+        <p:cNvPr id="1" name=""/>
+        <p:cNvGrpSpPr/>
+        <p:nvPr/>
+      </p:nvGrpSpPr>
+      <p:grpSpPr>
+        <a:xfrm>
+          <a:off x="0" y="0"/>
+          <a:ext cx="0" cy="0"/>
+          <a:chOff x="0" y="0"/>
+          <a:chExt cx="0" cy="0"/>
+        </a:xfrm>
+      </p:grpSpPr>
+      <p:sp>
+        <p:nvSpPr>
+          <p:cNvPr id="2" name="Cím 1">
+            <a:extLst>
+              <a:ext uri="{FF2B5EF4-FFF2-40B4-BE49-F238E27FC236}">
+                <a16:creationId xmlns:a16="http://schemas.microsoft.com/office/drawing/2014/main" id="{DD7345C3-DCE0-912F-F644-9F731867B47D}"/>
+              </a:ext>
+            </a:extLst>
+          </p:cNvPr>
+          <p:cNvSpPr>
+            <a:spLocks noGrp="1"/>
+          </p:cNvSpPr>
+          <p:nvPr>
+            <p:ph type="title"/>
+          </p:nvPr>
+        </p:nvSpPr>
+        <p:spPr/>
+        <p:txBody>
+          <a:bodyPr/>
+          <a:lstStyle/>
+          <a:p>
+            <a:r>
+              <a:rPr lang="hu-HU" dirty="0"/>
+              <a:t>Rekurzió</a:t>
+            </a:r>
+          </a:p>
+        </p:txBody>
+      </p:sp>
+      <p:sp>
+        <p:nvSpPr>
+          <p:cNvPr id="3" name="Tartalom helye 2">
+            <a:extLst>
+              <a:ext uri="{FF2B5EF4-FFF2-40B4-BE49-F238E27FC236}">
+                <a16:creationId xmlns:a16="http://schemas.microsoft.com/office/drawing/2014/main" id="{5BCCB2A8-85F5-1BEA-48ED-A3EC9D9860C1}"/>
+              </a:ext>
+            </a:extLst>
+          </p:cNvPr>
+          <p:cNvSpPr>
+            <a:spLocks noGrp="1"/>
+          </p:cNvSpPr>
+          <p:nvPr>
+            <p:ph idx="1"/>
+          </p:nvPr>
+        </p:nvSpPr>
+        <p:spPr/>
+        <p:txBody>
+          <a:bodyPr/>
+          <a:lstStyle/>
+          <a:p>
+            <a:r>
+              <a:rPr lang="hu-HU" dirty="0"/>
+              <a:t>A függvényben önmaga</a:t>
+            </a:r>
+          </a:p>
+          <a:p>
+            <a:pPr marL="0" indent="0">
+              <a:buNone/>
+            </a:pPr>
+            <a:r>
+              <a:rPr lang="hu-HU" dirty="0"/>
+              <a:t>meghívva</a:t>
+            </a:r>
+          </a:p>
+        </p:txBody>
+      </p:sp>
+      <p:pic>
+        <p:nvPicPr>
+          <p:cNvPr id="4" name="Picture 4" descr="Executive Summary of Python Programming Language">
+            <a:extLst>
+              <a:ext uri="{FF2B5EF4-FFF2-40B4-BE49-F238E27FC236}">
+                <a16:creationId xmlns:a16="http://schemas.microsoft.com/office/drawing/2014/main" id="{9DC14B4B-603B-5E3F-79DD-F1528D6A99DA}"/>
+              </a:ext>
+            </a:extLst>
+          </p:cNvPr>
+          <p:cNvPicPr>
+            <a:picLocks noChangeAspect="1" noChangeArrowheads="1"/>
+          </p:cNvPicPr>
+          <p:nvPr/>
+        </p:nvPicPr>
+        <p:blipFill>
+          <a:blip r:embed="rId2">
+            <a:alphaModFix amt="17000"/>
+            <a:extLst>
+              <a:ext uri="{BEBA8EAE-BF5A-486C-A8C5-ECC9F3942E4B}">
+                <a14:imgProps xmlns:a14="http://schemas.microsoft.com/office/drawing/2010/main">
+                  <a14:imgLayer r:embed="rId3">
+                    <a14:imgEffect>
+                      <a14:colorTemperature colorTemp="6582"/>
+                    </a14:imgEffect>
+                    <a14:imgEffect>
+                      <a14:saturation sat="97000"/>
+                    </a14:imgEffect>
+                  </a14:imgLayer>
+                </a14:imgProps>
+              </a:ext>
+              <a:ext uri="{28A0092B-C50C-407E-A947-70E740481C1C}">
+                <a14:useLocalDpi xmlns:a14="http://schemas.microsoft.com/office/drawing/2010/main" val="0"/>
+              </a:ext>
+            </a:extLst>
+          </a:blip>
+          <a:srcRect/>
+          <a:stretch>
+            <a:fillRect/>
+          </a:stretch>
+        </p:blipFill>
+        <p:spPr bwMode="auto">
+          <a:xfrm>
+            <a:off x="3559377" y="1017688"/>
+            <a:ext cx="4822623" cy="4822623"/>
+          </a:xfrm>
+          <a:prstGeom prst="rect">
+            <a:avLst/>
+          </a:prstGeom>
+          <a:noFill/>
+          <a:effectLst>
+            <a:outerShdw blurRad="220002" dist="50800" dir="5400000" algn="ctr" rotWithShape="0">
+              <a:srgbClr val="000000"/>
+            </a:outerShdw>
+          </a:effectLst>
+          <a:extLst>
+            <a:ext uri="{909E8E84-426E-40DD-AFC4-6F175D3DCCD1}">
+              <a14:hiddenFill xmlns:a14="http://schemas.microsoft.com/office/drawing/2010/main">
+                <a:solidFill>
+                  <a:srgbClr val="FFFFFF"/>
+                </a:solidFill>
+              </a14:hiddenFill>
+            </a:ext>
+          </a:extLst>
+        </p:spPr>
+      </p:pic>
+      <p:pic>
+        <p:nvPicPr>
+          <p:cNvPr id="1026" name="Picture 2" descr="Understanding Recursion: Part 1/4 – Perpetual Enigma">
+            <a:extLst>
+              <a:ext uri="{FF2B5EF4-FFF2-40B4-BE49-F238E27FC236}">
+                <a16:creationId xmlns:a16="http://schemas.microsoft.com/office/drawing/2014/main" id="{3B8581FE-5D87-4354-EFEC-0CD7E36EDC64}"/>
+              </a:ext>
+            </a:extLst>
+          </p:cNvPr>
+          <p:cNvPicPr>
+            <a:picLocks noChangeAspect="1" noChangeArrowheads="1"/>
+          </p:cNvPicPr>
+          <p:nvPr/>
+        </p:nvPicPr>
+        <p:blipFill>
+          <a:blip r:embed="rId4">
+            <a:extLst>
+              <a:ext uri="{28A0092B-C50C-407E-A947-70E740481C1C}">
+                <a14:useLocalDpi xmlns:a14="http://schemas.microsoft.com/office/drawing/2010/main" val="0"/>
+              </a:ext>
+            </a:extLst>
+          </a:blip>
+          <a:srcRect/>
+          <a:stretch>
+            <a:fillRect/>
+          </a:stretch>
+        </p:blipFill>
+        <p:spPr bwMode="auto">
+          <a:xfrm>
+            <a:off x="6534150" y="1645920"/>
+            <a:ext cx="5276850" cy="4221480"/>
+          </a:xfrm>
+          <a:prstGeom prst="rect">
+            <a:avLst/>
+          </a:prstGeom>
+          <a:noFill/>
+          <a:extLst>
+            <a:ext uri="{909E8E84-426E-40DD-AFC4-6F175D3DCCD1}">
+              <a14:hiddenFill xmlns:a14="http://schemas.microsoft.com/office/drawing/2010/main">
+                <a:solidFill>
+                  <a:srgbClr val="FFFFFF"/>
+                </a:solidFill>
+              </a14:hiddenFill>
+            </a:ext>
+          </a:extLst>
+        </p:spPr>
+      </p:pic>
+    </p:spTree>
+    <p:extLst>
+      <p:ext uri="{BB962C8B-B14F-4D97-AF65-F5344CB8AC3E}">
+        <p14:creationId xmlns:p14="http://schemas.microsoft.com/office/powerpoint/2010/main" val="2178607210"/>
+      </p:ext>
+    </p:extLst>
+  </p:cSld>
+  <p:clrMapOvr>
+    <a:masterClrMapping/>
+  </p:clrMapOvr>
+</p:sld>
+</file>
+
+<file path=ppt/slides/slide8.xml><?xml version="1.0" encoding="utf-8"?>
 <p:sld xmlns:a="http://schemas.openxmlformats.org/drawingml/2006/main" xmlns:r="http://schemas.openxmlformats.org/officeDocument/2006/relationships" xmlns:p="http://schemas.openxmlformats.org/presentationml/2006/main">
   <p:cSld>
     <p:spTree>
